--- a/Sticky-Notes_B.pptx
+++ b/Sticky-Notes_B.pptx
@@ -7,17 +7,18 @@
   <p:sldIdLst>
     <p:sldId id="256" r:id="rId2"/>
     <p:sldId id="257" r:id="rId3"/>
-    <p:sldId id="266" r:id="rId4"/>
-    <p:sldId id="265" r:id="rId5"/>
-    <p:sldId id="258" r:id="rId6"/>
+    <p:sldId id="265" r:id="rId4"/>
+    <p:sldId id="258" r:id="rId5"/>
+    <p:sldId id="266" r:id="rId6"/>
     <p:sldId id="267" r:id="rId7"/>
-    <p:sldId id="259" r:id="rId8"/>
-    <p:sldId id="260" r:id="rId9"/>
-    <p:sldId id="261" r:id="rId10"/>
-    <p:sldId id="262" r:id="rId11"/>
-    <p:sldId id="268" r:id="rId12"/>
-    <p:sldId id="269" r:id="rId13"/>
-    <p:sldId id="264" r:id="rId14"/>
+    <p:sldId id="268" r:id="rId8"/>
+    <p:sldId id="269" r:id="rId9"/>
+    <p:sldId id="271" r:id="rId10"/>
+    <p:sldId id="272" r:id="rId11"/>
+    <p:sldId id="273" r:id="rId12"/>
+    <p:sldId id="274" r:id="rId13"/>
+    <p:sldId id="270" r:id="rId14"/>
+    <p:sldId id="264" r:id="rId15"/>
   </p:sldIdLst>
   <p:sldSz cx="12192000" cy="6858000"/>
   <p:notesSz cx="6858000" cy="9144000"/>
@@ -6170,6 +6171,229 @@
           <a:p>
             <a:r>
               <a:rPr lang="en-US" dirty="0"/>
+              <a:t>Add user name</a:t>
+            </a:r>
+          </a:p>
+        </p:txBody>
+      </p:sp>
+      <p:sp>
+        <p:nvSpPr>
+          <p:cNvPr id="3" name="Content Placeholder 2"/>
+          <p:cNvSpPr>
+            <a:spLocks noGrp="1"/>
+          </p:cNvSpPr>
+          <p:nvPr>
+            <p:ph idx="1"/>
+          </p:nvPr>
+        </p:nvSpPr>
+        <p:spPr/>
+        <p:txBody>
+          <a:bodyPr/>
+          <a:lstStyle/>
+          <a:p>
+            <a:endParaRPr lang="en-US"/>
+          </a:p>
+        </p:txBody>
+      </p:sp>
+      <p:pic>
+        <p:nvPicPr>
+          <p:cNvPr id="5" name="Picture 4"/>
+          <p:cNvPicPr>
+            <a:picLocks noChangeAspect="1"/>
+          </p:cNvPicPr>
+          <p:nvPr/>
+        </p:nvPicPr>
+        <p:blipFill>
+          <a:blip r:embed="rId2"/>
+          <a:stretch>
+            <a:fillRect/>
+          </a:stretch>
+        </p:blipFill>
+        <p:spPr>
+          <a:xfrm>
+            <a:off x="1190897" y="2575372"/>
+            <a:ext cx="7783287" cy="3571429"/>
+          </a:xfrm>
+          <a:prstGeom prst="rect">
+            <a:avLst/>
+          </a:prstGeom>
+        </p:spPr>
+      </p:pic>
+      <p:pic>
+        <p:nvPicPr>
+          <p:cNvPr id="6" name="Picture 5"/>
+          <p:cNvPicPr>
+            <a:picLocks noChangeAspect="1"/>
+          </p:cNvPicPr>
+          <p:nvPr/>
+        </p:nvPicPr>
+        <p:blipFill>
+          <a:blip r:embed="rId3">
+            <a:extLst/>
+          </a:blip>
+          <a:stretch>
+            <a:fillRect/>
+          </a:stretch>
+        </p:blipFill>
+        <p:spPr>
+          <a:xfrm>
+            <a:off x="10325100" y="735895"/>
+            <a:ext cx="1101371" cy="735072"/>
+          </a:xfrm>
+          <a:prstGeom prst="rect">
+            <a:avLst/>
+          </a:prstGeom>
+        </p:spPr>
+      </p:pic>
+    </p:spTree>
+    <p:extLst>
+      <p:ext uri="{BB962C8B-B14F-4D97-AF65-F5344CB8AC3E}">
+        <p14:creationId xmlns:p14="http://schemas.microsoft.com/office/powerpoint/2010/main" val="2440612915"/>
+      </p:ext>
+    </p:extLst>
+  </p:cSld>
+  <p:clrMapOvr>
+    <a:masterClrMapping/>
+  </p:clrMapOvr>
+</p:sld>
+</file>
+
+<file path=ppt/slides/slide11.xml><?xml version="1.0" encoding="utf-8"?>
+<p:sld xmlns:a="http://schemas.openxmlformats.org/drawingml/2006/main" xmlns:r="http://schemas.openxmlformats.org/officeDocument/2006/relationships" xmlns:p="http://schemas.openxmlformats.org/presentationml/2006/main">
+  <p:cSld>
+    <p:spTree>
+      <p:nvGrpSpPr>
+        <p:cNvPr id="1" name=""/>
+        <p:cNvGrpSpPr/>
+        <p:nvPr/>
+      </p:nvGrpSpPr>
+      <p:grpSpPr>
+        <a:xfrm>
+          <a:off x="0" y="0"/>
+          <a:ext cx="0" cy="0"/>
+          <a:chOff x="0" y="0"/>
+          <a:chExt cx="0" cy="0"/>
+        </a:xfrm>
+      </p:grpSpPr>
+      <p:sp>
+        <p:nvSpPr>
+          <p:cNvPr id="2" name="Title 1"/>
+          <p:cNvSpPr>
+            <a:spLocks noGrp="1"/>
+          </p:cNvSpPr>
+          <p:nvPr>
+            <p:ph type="title"/>
+          </p:nvPr>
+        </p:nvSpPr>
+        <p:spPr/>
+        <p:txBody>
+          <a:bodyPr/>
+          <a:lstStyle/>
+          <a:p>
+            <a:r>
+              <a:rPr lang="en-US" dirty="0"/>
+              <a:t>Add user note</a:t>
+            </a:r>
+          </a:p>
+        </p:txBody>
+      </p:sp>
+      <p:pic>
+        <p:nvPicPr>
+          <p:cNvPr id="6" name="Picture 5"/>
+          <p:cNvPicPr>
+            <a:picLocks noChangeAspect="1"/>
+          </p:cNvPicPr>
+          <p:nvPr/>
+        </p:nvPicPr>
+        <p:blipFill>
+          <a:blip r:embed="rId2"/>
+          <a:stretch>
+            <a:fillRect/>
+          </a:stretch>
+        </p:blipFill>
+        <p:spPr>
+          <a:xfrm>
+            <a:off x="1295401" y="2556933"/>
+            <a:ext cx="8018416" cy="3471706"/>
+          </a:xfrm>
+          <a:prstGeom prst="rect">
+            <a:avLst/>
+          </a:prstGeom>
+        </p:spPr>
+      </p:pic>
+      <p:pic>
+        <p:nvPicPr>
+          <p:cNvPr id="4" name="Picture 3"/>
+          <p:cNvPicPr>
+            <a:picLocks noChangeAspect="1"/>
+          </p:cNvPicPr>
+          <p:nvPr/>
+        </p:nvPicPr>
+        <p:blipFill>
+          <a:blip r:embed="rId3">
+            <a:extLst/>
+          </a:blip>
+          <a:stretch>
+            <a:fillRect/>
+          </a:stretch>
+        </p:blipFill>
+        <p:spPr>
+          <a:xfrm>
+            <a:off x="10325100" y="735895"/>
+            <a:ext cx="1101371" cy="735072"/>
+          </a:xfrm>
+          <a:prstGeom prst="rect">
+            <a:avLst/>
+          </a:prstGeom>
+        </p:spPr>
+      </p:pic>
+    </p:spTree>
+    <p:extLst>
+      <p:ext uri="{BB962C8B-B14F-4D97-AF65-F5344CB8AC3E}">
+        <p14:creationId xmlns:p14="http://schemas.microsoft.com/office/powerpoint/2010/main" val="1571351848"/>
+      </p:ext>
+    </p:extLst>
+  </p:cSld>
+  <p:clrMapOvr>
+    <a:masterClrMapping/>
+  </p:clrMapOvr>
+</p:sld>
+</file>
+
+<file path=ppt/slides/slide12.xml><?xml version="1.0" encoding="utf-8"?>
+<p:sld xmlns:a="http://schemas.openxmlformats.org/drawingml/2006/main" xmlns:r="http://schemas.openxmlformats.org/officeDocument/2006/relationships" xmlns:p="http://schemas.openxmlformats.org/presentationml/2006/main">
+  <p:cSld>
+    <p:spTree>
+      <p:nvGrpSpPr>
+        <p:cNvPr id="1" name=""/>
+        <p:cNvGrpSpPr/>
+        <p:nvPr/>
+      </p:nvGrpSpPr>
+      <p:grpSpPr>
+        <a:xfrm>
+          <a:off x="0" y="0"/>
+          <a:ext cx="0" cy="0"/>
+          <a:chOff x="0" y="0"/>
+          <a:chExt cx="0" cy="0"/>
+        </a:xfrm>
+      </p:grpSpPr>
+      <p:sp>
+        <p:nvSpPr>
+          <p:cNvPr id="2" name="Title 1"/>
+          <p:cNvSpPr>
+            <a:spLocks noGrp="1"/>
+          </p:cNvSpPr>
+          <p:nvPr>
+            <p:ph type="title"/>
+          </p:nvPr>
+        </p:nvSpPr>
+        <p:spPr/>
+        <p:txBody>
+          <a:bodyPr/>
+          <a:lstStyle/>
+          <a:p>
+            <a:r>
+              <a:rPr lang="en-US" dirty="0"/>
               <a:t>View notes for a specific user</a:t>
             </a:r>
           </a:p>
@@ -6209,10 +6433,135 @@
         </p:nvPicPr>
         <p:blipFill>
           <a:blip r:embed="rId3">
+            <a:extLst/>
+          </a:blip>
+          <a:stretch>
+            <a:fillRect/>
+          </a:stretch>
+        </p:blipFill>
+        <p:spPr>
+          <a:xfrm>
+            <a:off x="10325100" y="735895"/>
+            <a:ext cx="1101371" cy="735072"/>
+          </a:xfrm>
+          <a:prstGeom prst="rect">
+            <a:avLst/>
+          </a:prstGeom>
+        </p:spPr>
+      </p:pic>
+    </p:spTree>
+    <p:extLst>
+      <p:ext uri="{BB962C8B-B14F-4D97-AF65-F5344CB8AC3E}">
+        <p14:creationId xmlns:p14="http://schemas.microsoft.com/office/powerpoint/2010/main" val="335906767"/>
+      </p:ext>
+    </p:extLst>
+  </p:cSld>
+  <p:clrMapOvr>
+    <a:masterClrMapping/>
+  </p:clrMapOvr>
+</p:sld>
+</file>
+
+<file path=ppt/slides/slide13.xml><?xml version="1.0" encoding="utf-8"?>
+<p:sld xmlns:a="http://schemas.openxmlformats.org/drawingml/2006/main" xmlns:r="http://schemas.openxmlformats.org/officeDocument/2006/relationships" xmlns:p="http://schemas.openxmlformats.org/presentationml/2006/main">
+  <p:cSld>
+    <p:spTree>
+      <p:nvGrpSpPr>
+        <p:cNvPr id="1" name=""/>
+        <p:cNvGrpSpPr/>
+        <p:nvPr/>
+      </p:nvGrpSpPr>
+      <p:grpSpPr>
+        <a:xfrm>
+          <a:off x="0" y="0"/>
+          <a:ext cx="0" cy="0"/>
+          <a:chOff x="0" y="0"/>
+          <a:chExt cx="0" cy="0"/>
+        </a:xfrm>
+      </p:grpSpPr>
+      <p:sp>
+        <p:nvSpPr>
+          <p:cNvPr id="2" name="Title 1"/>
+          <p:cNvSpPr>
+            <a:spLocks noGrp="1"/>
+          </p:cNvSpPr>
+          <p:nvPr>
+            <p:ph type="title"/>
+          </p:nvPr>
+        </p:nvSpPr>
+        <p:spPr/>
+        <p:txBody>
+          <a:bodyPr/>
+          <a:lstStyle/>
+          <a:p>
+            <a:r>
+              <a:rPr lang="en-US" dirty="0" smtClean="0"/>
+              <a:t>Problem </a:t>
+            </a:r>
+            <a:endParaRPr lang="en-US" dirty="0"/>
+          </a:p>
+        </p:txBody>
+      </p:sp>
+      <p:sp>
+        <p:nvSpPr>
+          <p:cNvPr id="3" name="Content Placeholder 2"/>
+          <p:cNvSpPr>
+            <a:spLocks noGrp="1"/>
+          </p:cNvSpPr>
+          <p:nvPr>
+            <p:ph idx="1"/>
+          </p:nvPr>
+        </p:nvSpPr>
+        <p:spPr/>
+        <p:txBody>
+          <a:bodyPr/>
+          <a:lstStyle/>
+          <a:p>
+            <a:r>
+              <a:rPr lang="en-US" dirty="0"/>
+              <a:t>Configure work </a:t>
+            </a:r>
+            <a:r>
+              <a:rPr lang="en-US" dirty="0" smtClean="0"/>
+              <a:t>environment</a:t>
+            </a:r>
+          </a:p>
+          <a:p>
+            <a:r>
+              <a:rPr lang="en-US" dirty="0" smtClean="0"/>
+              <a:t>Merge in </a:t>
+            </a:r>
+            <a:r>
+              <a:rPr lang="en-US" dirty="0" err="1" smtClean="0"/>
+              <a:t>github</a:t>
+            </a:r>
+            <a:endParaRPr lang="en-US" dirty="0" smtClean="0"/>
+          </a:p>
+          <a:p>
+            <a:r>
+              <a:rPr lang="en-US" dirty="0" smtClean="0"/>
+              <a:t>Path for data base </a:t>
+            </a:r>
+          </a:p>
+          <a:p>
+            <a:endParaRPr lang="en-US" dirty="0"/>
+          </a:p>
+        </p:txBody>
+      </p:sp>
+      <p:pic>
+        <p:nvPicPr>
+          <p:cNvPr id="4" name="Picture 3"/>
+          <p:cNvPicPr>
+            <a:picLocks noChangeAspect="1"/>
+          </p:cNvPicPr>
+          <p:nvPr/>
+        </p:nvPicPr>
+        <p:blipFill>
+          <a:blip r:embed="rId2">
             <a:extLst>
               <a:ext uri="{BEBA8EAE-BF5A-486C-A8C5-ECC9F3942E4B}">
                 <a14:imgProps xmlns:a14="http://schemas.microsoft.com/office/drawing/2010/main">
-                  <a14:imgLayer r:embed="rId4">
+                  <a14:imgLayer r:embed="rId3">
                     <a14:imgEffect>
                       <a14:backgroundRemoval t="7744" b="100000" l="10562" r="93933">
                         <a14:foregroundMark x1="49663" y1="18519" x2="51236" y2="10101"/>
@@ -6290,7 +6639,7 @@
     </p:spTree>
     <p:extLst>
       <p:ext uri="{BB962C8B-B14F-4D97-AF65-F5344CB8AC3E}">
-        <p14:creationId xmlns:p14="http://schemas.microsoft.com/office/powerpoint/2010/main" val="1256066120"/>
+        <p14:creationId xmlns:p14="http://schemas.microsoft.com/office/powerpoint/2010/main" val="2243177528"/>
       </p:ext>
     </p:extLst>
   </p:cSld>
@@ -6300,890 +6649,7 @@
 </p:sld>
 </file>
 
-<file path=ppt/slides/slide11.xml><?xml version="1.0" encoding="utf-8"?>
-<p:sld xmlns:a="http://schemas.openxmlformats.org/drawingml/2006/main" xmlns:r="http://schemas.openxmlformats.org/officeDocument/2006/relationships" xmlns:p="http://schemas.openxmlformats.org/presentationml/2006/main">
-  <p:cSld>
-    <p:spTree>
-      <p:nvGrpSpPr>
-        <p:cNvPr id="1" name=""/>
-        <p:cNvGrpSpPr/>
-        <p:nvPr/>
-      </p:nvGrpSpPr>
-      <p:grpSpPr>
-        <a:xfrm>
-          <a:off x="0" y="0"/>
-          <a:ext cx="0" cy="0"/>
-          <a:chOff x="0" y="0"/>
-          <a:chExt cx="0" cy="0"/>
-        </a:xfrm>
-      </p:grpSpPr>
-      <p:sp>
-        <p:nvSpPr>
-          <p:cNvPr id="2" name="عنوان 1">
-            <a:extLst>
-              <a:ext uri="{FF2B5EF4-FFF2-40B4-BE49-F238E27FC236}">
-                <a16:creationId xmlns:a16="http://schemas.microsoft.com/office/drawing/2014/main" id="{E7A5001A-9D93-4599-A74A-99821B67C087}"/>
-              </a:ext>
-            </a:extLst>
-          </p:cNvPr>
-          <p:cNvSpPr>
-            <a:spLocks noGrp="1"/>
-          </p:cNvSpPr>
-          <p:nvPr>
-            <p:ph type="title"/>
-          </p:nvPr>
-        </p:nvSpPr>
-        <p:spPr/>
-        <p:txBody>
-          <a:bodyPr/>
-          <a:lstStyle/>
-          <a:p>
-            <a:endParaRPr lang="en-US"/>
-          </a:p>
-        </p:txBody>
-      </p:sp>
-      <p:pic>
-        <p:nvPicPr>
-          <p:cNvPr id="4" name="صورة 3">
-            <a:extLst>
-              <a:ext uri="{FF2B5EF4-FFF2-40B4-BE49-F238E27FC236}">
-                <a16:creationId xmlns:a16="http://schemas.microsoft.com/office/drawing/2014/main" id="{89CD7E00-EBD6-4D17-A177-94E324B56382}"/>
-              </a:ext>
-            </a:extLst>
-          </p:cNvPr>
-          <p:cNvPicPr>
-            <a:picLocks noChangeAspect="1"/>
-          </p:cNvPicPr>
-          <p:nvPr/>
-        </p:nvPicPr>
-        <p:blipFill>
-          <a:blip r:embed="rId2">
-            <a:extLst>
-              <a:ext uri="{28A0092B-C50C-407E-A947-70E740481C1C}">
-                <a14:useLocalDpi xmlns:a14="http://schemas.microsoft.com/office/drawing/2010/main" val="0"/>
-              </a:ext>
-            </a:extLst>
-          </a:blip>
-          <a:stretch>
-            <a:fillRect/>
-          </a:stretch>
-        </p:blipFill>
-        <p:spPr>
-          <a:xfrm>
-            <a:off x="1332762" y="975394"/>
-            <a:ext cx="8805151" cy="4900474"/>
-          </a:xfrm>
-          <a:prstGeom prst="rect">
-            <a:avLst/>
-          </a:prstGeom>
-        </p:spPr>
-      </p:pic>
-      <p:pic>
-        <p:nvPicPr>
-          <p:cNvPr id="5" name="Picture 5">
-            <a:extLst>
-              <a:ext uri="{FF2B5EF4-FFF2-40B4-BE49-F238E27FC236}">
-                <a16:creationId xmlns:a16="http://schemas.microsoft.com/office/drawing/2014/main" id="{23C92B1D-AB8C-4EB9-9F66-47655D4E09ED}"/>
-              </a:ext>
-            </a:extLst>
-          </p:cNvPr>
-          <p:cNvPicPr>
-            <a:picLocks noChangeAspect="1"/>
-          </p:cNvPicPr>
-          <p:nvPr/>
-        </p:nvPicPr>
-        <p:blipFill>
-          <a:blip r:embed="rId3">
-            <a:extLst>
-              <a:ext uri="{BEBA8EAE-BF5A-486C-A8C5-ECC9F3942E4B}">
-                <a14:imgProps xmlns:a14="http://schemas.microsoft.com/office/drawing/2010/main">
-                  <a14:imgLayer r:embed="rId4">
-                    <a14:imgEffect>
-                      <a14:backgroundRemoval t="7744" b="100000" l="10562" r="93933">
-                        <a14:foregroundMark x1="49663" y1="18519" x2="51236" y2="10101"/>
-                        <a14:foregroundMark x1="55281" y1="19865" x2="54157" y2="16835"/>
-                        <a14:foregroundMark x1="53933" y1="15825" x2="51461" y2="7071"/>
-                        <a14:foregroundMark x1="10787" y1="92929" x2="14831" y2="93603"/>
-                        <a14:foregroundMark x1="15730" y1="92929" x2="15955" y2="88889"/>
-                        <a14:foregroundMark x1="14831" y1="88552" x2="12584" y2="87542"/>
-                        <a14:foregroundMark x1="11461" y1="84848" x2="12809" y2="83165"/>
-                        <a14:foregroundMark x1="19551" y1="81145" x2="19551" y2="91246"/>
-                        <a14:foregroundMark x1="25393" y1="82828" x2="25393" y2="88215"/>
-                        <a14:foregroundMark x1="25393" y1="78788" x2="25393" y2="78114"/>
-                        <a14:foregroundMark x1="29663" y1="85185" x2="32360" y2="83165"/>
-                        <a14:foregroundMark x1="28989" y1="87205" x2="29663" y2="90909"/>
-                        <a14:foregroundMark x1="38427" y1="90236" x2="38427" y2="82828"/>
-                        <a14:foregroundMark x1="40674" y1="87205" x2="42472" y2="85859"/>
-                        <a14:foregroundMark x1="50787" y1="92593" x2="47865" y2="86869"/>
-                        <a14:foregroundMark x1="48315" y1="99327" x2="49213" y2="96633"/>
-                        <a14:foregroundMark x1="51685" y1="90236" x2="52360" y2="87205"/>
-                        <a14:foregroundMark x1="55506" y1="92593" x2="55506" y2="87542"/>
-                        <a14:foregroundMark x1="55506" y1="86195" x2="55506" y2="83165"/>
-                        <a14:foregroundMark x1="56629" y1="84175" x2="57978" y2="82492"/>
-                        <a14:foregroundMark x1="59326" y1="82492" x2="61348" y2="83165"/>
-                        <a14:foregroundMark x1="61798" y1="84175" x2="62247" y2="88215"/>
-                        <a14:foregroundMark x1="62247" y1="93603" x2="62247" y2="90909"/>
-                        <a14:foregroundMark x1="64944" y1="87542" x2="65169" y2="84848"/>
-                        <a14:foregroundMark x1="66517" y1="83838" x2="67865" y2="82492"/>
-                        <a14:foregroundMark x1="70112" y1="83165" x2="71685" y2="84175"/>
-                        <a14:foregroundMark x1="72360" y1="88552" x2="71910" y2="91582"/>
-                        <a14:foregroundMark x1="71236" y1="93266" x2="68764" y2="94276"/>
-                        <a14:foregroundMark x1="67640" y1="94276" x2="65393" y2="91919"/>
-                        <a14:foregroundMark x1="64944" y1="90572" x2="64719" y2="87879"/>
-                        <a14:foregroundMark x1="68090" y1="82828" x2="69438" y2="82492"/>
-                        <a14:foregroundMark x1="75506" y1="86195" x2="75506" y2="81145"/>
-                        <a14:foregroundMark x1="75955" y1="92929" x2="76404" y2="94276"/>
-                        <a14:foregroundMark x1="78202" y1="93939" x2="76629" y2="93939"/>
-                        <a14:foregroundMark x1="79775" y1="88889" x2="79775" y2="86195"/>
-                        <a14:foregroundMark x1="80225" y1="85185" x2="81798" y2="83165"/>
-                        <a14:foregroundMark x1="83596" y1="82828" x2="84944" y2="82828"/>
-                        <a14:foregroundMark x1="85843" y1="83838" x2="86742" y2="85522"/>
-                        <a14:foregroundMark x1="86966" y1="88215" x2="84719" y2="88215"/>
-                        <a14:foregroundMark x1="80449" y1="88215" x2="83596" y2="87879"/>
-                        <a14:foregroundMark x1="79775" y1="90572" x2="81124" y2="92929"/>
-                        <a14:foregroundMark x1="82022" y1="93939" x2="83596" y2="93939"/>
-                        <a14:foregroundMark x1="84944" y1="93939" x2="86292" y2="92929"/>
-                        <a14:foregroundMark x1="88989" y1="84512" x2="89663" y2="82492"/>
-                        <a14:foregroundMark x1="90562" y1="82492" x2="90562" y2="82492"/>
-                        <a14:foregroundMark x1="90562" y1="82492" x2="91685" y2="82492"/>
-                        <a14:foregroundMark x1="92584" y1="82828" x2="93483" y2="82828"/>
-                        <a14:foregroundMark x1="88989" y1="85522" x2="89663" y2="87205"/>
-                        <a14:foregroundMark x1="90337" y1="87879" x2="92135" y2="88552"/>
-                        <a14:foregroundMark x1="92584" y1="88889" x2="93483" y2="89899"/>
-                        <a14:foregroundMark x1="88989" y1="93603" x2="91236" y2="94276"/>
-                      </a14:backgroundRemoval>
-                    </a14:imgEffect>
-                  </a14:imgLayer>
-                </a14:imgProps>
-              </a:ext>
-            </a:extLst>
-          </a:blip>
-          <a:stretch>
-            <a:fillRect/>
-          </a:stretch>
-        </p:blipFill>
-        <p:spPr>
-          <a:xfrm>
-            <a:off x="10383272" y="682629"/>
-            <a:ext cx="1101371" cy="735072"/>
-          </a:xfrm>
-          <a:prstGeom prst="rect">
-            <a:avLst/>
-          </a:prstGeom>
-        </p:spPr>
-      </p:pic>
-    </p:spTree>
-    <p:extLst>
-      <p:ext uri="{BB962C8B-B14F-4D97-AF65-F5344CB8AC3E}">
-        <p14:creationId xmlns:p14="http://schemas.microsoft.com/office/powerpoint/2010/main" val="1052286654"/>
-      </p:ext>
-    </p:extLst>
-  </p:cSld>
-  <p:clrMapOvr>
-    <a:masterClrMapping/>
-  </p:clrMapOvr>
-  <p:timing>
-    <p:tnLst>
-      <p:par>
-        <p:cTn id="1" dur="indefinite" restart="never" nodeType="tmRoot"/>
-      </p:par>
-    </p:tnLst>
-  </p:timing>
-</p:sld>
-</file>
-
-<file path=ppt/slides/slide12.xml><?xml version="1.0" encoding="utf-8"?>
-<p:sld xmlns:a="http://schemas.openxmlformats.org/drawingml/2006/main" xmlns:r="http://schemas.openxmlformats.org/officeDocument/2006/relationships" xmlns:p="http://schemas.openxmlformats.org/presentationml/2006/main">
-  <p:cSld>
-    <p:spTree>
-      <p:nvGrpSpPr>
-        <p:cNvPr id="1" name=""/>
-        <p:cNvGrpSpPr/>
-        <p:nvPr/>
-      </p:nvGrpSpPr>
-      <p:grpSpPr>
-        <a:xfrm>
-          <a:off x="0" y="0"/>
-          <a:ext cx="0" cy="0"/>
-          <a:chOff x="0" y="0"/>
-          <a:chExt cx="0" cy="0"/>
-        </a:xfrm>
-      </p:grpSpPr>
-      <p:graphicFrame>
-        <p:nvGraphicFramePr>
-          <p:cNvPr id="3" name="جدول 2">
-            <a:extLst>
-              <a:ext uri="{FF2B5EF4-FFF2-40B4-BE49-F238E27FC236}">
-                <a16:creationId xmlns:a16="http://schemas.microsoft.com/office/drawing/2014/main" id="{8A82C1C4-1F98-4498-B5D9-A4615FF983C9}"/>
-              </a:ext>
-            </a:extLst>
-          </p:cNvPr>
-          <p:cNvGraphicFramePr>
-            <a:graphicFrameLocks noGrp="1"/>
-          </p:cNvGraphicFramePr>
-          <p:nvPr>
-            <p:extLst>
-              <p:ext uri="{D42A27DB-BD31-4B8C-83A1-F6EECF244321}">
-                <p14:modId xmlns:p14="http://schemas.microsoft.com/office/powerpoint/2010/main" val="1301659697"/>
-              </p:ext>
-            </p:extLst>
-          </p:nvPr>
-        </p:nvGraphicFramePr>
-        <p:xfrm>
-          <a:off x="779679" y="1583338"/>
-          <a:ext cx="10632641" cy="3691324"/>
-        </p:xfrm>
-        <a:graphic>
-          <a:graphicData uri="http://schemas.openxmlformats.org/drawingml/2006/table">
-            <a:tbl>
-              <a:tblPr firstRow="1" bandRow="1">
-                <a:tableStyleId>{5C22544A-7EE6-4342-B048-85BDC9FD1C3A}</a:tableStyleId>
-              </a:tblPr>
-              <a:tblGrid>
-                <a:gridCol w="1667240">
-                  <a:extLst>
-                    <a:ext uri="{9D8B030D-6E8A-4147-A177-3AD203B41FA5}">
-                      <a16:colId xmlns:a16="http://schemas.microsoft.com/office/drawing/2014/main" val="686481008"/>
-                    </a:ext>
-                  </a:extLst>
-                </a:gridCol>
-                <a:gridCol w="1834237">
-                  <a:extLst>
-                    <a:ext uri="{9D8B030D-6E8A-4147-A177-3AD203B41FA5}">
-                      <a16:colId xmlns:a16="http://schemas.microsoft.com/office/drawing/2014/main" val="3754436772"/>
-                    </a:ext>
-                  </a:extLst>
-                </a:gridCol>
-                <a:gridCol w="1492978">
-                  <a:extLst>
-                    <a:ext uri="{9D8B030D-6E8A-4147-A177-3AD203B41FA5}">
-                      <a16:colId xmlns:a16="http://schemas.microsoft.com/office/drawing/2014/main" val="82796486"/>
-                    </a:ext>
-                  </a:extLst>
-                </a:gridCol>
-                <a:gridCol w="2485368">
-                  <a:extLst>
-                    <a:ext uri="{9D8B030D-6E8A-4147-A177-3AD203B41FA5}">
-                      <a16:colId xmlns:a16="http://schemas.microsoft.com/office/drawing/2014/main" val="2471807286"/>
-                    </a:ext>
-                  </a:extLst>
-                </a:gridCol>
-                <a:gridCol w="1378809">
-                  <a:extLst>
-                    <a:ext uri="{9D8B030D-6E8A-4147-A177-3AD203B41FA5}">
-                      <a16:colId xmlns:a16="http://schemas.microsoft.com/office/drawing/2014/main" val="2290599414"/>
-                    </a:ext>
-                  </a:extLst>
-                </a:gridCol>
-                <a:gridCol w="1774009">
-                  <a:extLst>
-                    <a:ext uri="{9D8B030D-6E8A-4147-A177-3AD203B41FA5}">
-                      <a16:colId xmlns:a16="http://schemas.microsoft.com/office/drawing/2014/main" val="2358774479"/>
-                    </a:ext>
-                  </a:extLst>
-                </a:gridCol>
-              </a:tblGrid>
-              <a:tr h="1374806">
-                <a:tc>
-                  <a:txBody>
-                    <a:bodyPr/>
-                    <a:lstStyle/>
-                    <a:p>
-                      <a:endParaRPr lang="en-US" dirty="0"/>
-                    </a:p>
-                  </a:txBody>
-                  <a:tcPr/>
-                </a:tc>
-                <a:tc>
-                  <a:txBody>
-                    <a:bodyPr/>
-                    <a:lstStyle/>
-                    <a:p>
-                      <a:endParaRPr lang="en-US" dirty="0"/>
-                    </a:p>
-                    <a:p>
-                      <a:r>
-                        <a:rPr lang="en-US" sz="2800" strike="noStrike" dirty="0"/>
-                        <a:t>Save and view</a:t>
-                      </a:r>
-                      <a:endParaRPr lang="en-US" sz="1600" strike="noStrike" dirty="0"/>
-                    </a:p>
-                  </a:txBody>
-                  <a:tcPr/>
-                </a:tc>
-                <a:tc>
-                  <a:txBody>
-                    <a:bodyPr/>
-                    <a:lstStyle/>
-                    <a:p>
-                      <a:endParaRPr lang="ar-JO" sz="2400" dirty="0"/>
-                    </a:p>
-                    <a:p>
-                      <a:r>
-                        <a:rPr lang="en-US" sz="2400" dirty="0"/>
-                        <a:t>Multiple users</a:t>
-                      </a:r>
-                    </a:p>
-                  </a:txBody>
-                  <a:tcPr/>
-                </a:tc>
-                <a:tc>
-                  <a:txBody>
-                    <a:bodyPr/>
-                    <a:lstStyle/>
-                    <a:p>
-                      <a:endParaRPr lang="ar-JO" dirty="0"/>
-                    </a:p>
-                    <a:p>
-                      <a:r>
-                        <a:rPr lang="en-US" sz="2400" dirty="0"/>
-                        <a:t>Save the date and time of notes</a:t>
-                      </a:r>
-                    </a:p>
-                  </a:txBody>
-                  <a:tcPr/>
-                </a:tc>
-                <a:tc>
-                  <a:txBody>
-                    <a:bodyPr/>
-                    <a:lstStyle/>
-                    <a:p>
-                      <a:endParaRPr lang="ar-JO" sz="2400" dirty="0"/>
-                    </a:p>
-                    <a:p>
-                      <a:r>
-                        <a:rPr lang="en-US" sz="2400" dirty="0"/>
-                        <a:t>Interface</a:t>
-                      </a:r>
-                    </a:p>
-                  </a:txBody>
-                  <a:tcPr/>
-                </a:tc>
-                <a:tc>
-                  <a:txBody>
-                    <a:bodyPr/>
-                    <a:lstStyle/>
-                    <a:p>
-                      <a:endParaRPr lang="en-US" dirty="0"/>
-                    </a:p>
-                    <a:p>
-                      <a:endParaRPr lang="en-US" sz="2000" dirty="0"/>
-                    </a:p>
-                    <a:p>
-                      <a:r>
-                        <a:rPr lang="en-US" sz="2000" dirty="0"/>
-                        <a:t>On\off line</a:t>
-                      </a:r>
-                    </a:p>
-                  </a:txBody>
-                  <a:tcPr/>
-                </a:tc>
-                <a:extLst>
-                  <a:ext uri="{0D108BD9-81ED-4DB2-BD59-A6C34878D82A}">
-                    <a16:rowId xmlns:a16="http://schemas.microsoft.com/office/drawing/2014/main" val="1876645330"/>
-                  </a:ext>
-                </a:extLst>
-              </a:tr>
-              <a:tr h="1065299">
-                <a:tc>
-                  <a:txBody>
-                    <a:bodyPr/>
-                    <a:lstStyle/>
-                    <a:p>
-                      <a:endParaRPr lang="en-US" sz="2000" dirty="0"/>
-                    </a:p>
-                  </a:txBody>
-                  <a:tcPr/>
-                </a:tc>
-                <a:tc>
-                  <a:txBody>
-                    <a:bodyPr/>
-                    <a:lstStyle/>
-                    <a:p>
-                      <a:endParaRPr lang="en-US" dirty="0"/>
-                    </a:p>
-                  </a:txBody>
-                  <a:tcPr/>
-                </a:tc>
-                <a:tc>
-                  <a:txBody>
-                    <a:bodyPr/>
-                    <a:lstStyle/>
-                    <a:p>
-                      <a:endParaRPr lang="en-US" dirty="0"/>
-                    </a:p>
-                  </a:txBody>
-                  <a:tcPr/>
-                </a:tc>
-                <a:tc>
-                  <a:txBody>
-                    <a:bodyPr/>
-                    <a:lstStyle/>
-                    <a:p>
-                      <a:endParaRPr lang="en-US" dirty="0"/>
-                    </a:p>
-                  </a:txBody>
-                  <a:tcPr/>
-                </a:tc>
-                <a:tc>
-                  <a:txBody>
-                    <a:bodyPr/>
-                    <a:lstStyle/>
-                    <a:p>
-                      <a:endParaRPr lang="en-US" dirty="0"/>
-                    </a:p>
-                  </a:txBody>
-                  <a:tcPr/>
-                </a:tc>
-                <a:tc>
-                  <a:txBody>
-                    <a:bodyPr/>
-                    <a:lstStyle/>
-                    <a:p>
-                      <a:endParaRPr lang="en-US" sz="2400" dirty="0"/>
-                    </a:p>
-                    <a:p>
-                      <a:r>
-                        <a:rPr lang="en-US" sz="2400" dirty="0"/>
-                        <a:t>offline</a:t>
-                      </a:r>
-                    </a:p>
-                  </a:txBody>
-                  <a:tcPr/>
-                </a:tc>
-                <a:extLst>
-                  <a:ext uri="{0D108BD9-81ED-4DB2-BD59-A6C34878D82A}">
-                    <a16:rowId xmlns:a16="http://schemas.microsoft.com/office/drawing/2014/main" val="3193325831"/>
-                  </a:ext>
-                </a:extLst>
-              </a:tr>
-              <a:tr h="1251219">
-                <a:tc>
-                  <a:txBody>
-                    <a:bodyPr/>
-                    <a:lstStyle/>
-                    <a:p>
-                      <a:r>
-                        <a:rPr lang="en-US" sz="2000" dirty="0"/>
-                        <a:t>Windows</a:t>
-                      </a:r>
-                    </a:p>
-                    <a:p>
-                      <a:pPr marL="0" marR="0" lvl="0" indent="0" algn="l" defTabSz="457200" rtl="0" eaLnBrk="1" fontAlgn="auto" latinLnBrk="0" hangingPunct="1">
-                        <a:lnSpc>
-                          <a:spcPct val="100000"/>
-                        </a:lnSpc>
-                        <a:spcBef>
-                          <a:spcPts val="0"/>
-                        </a:spcBef>
-                        <a:spcAft>
-                          <a:spcPts val="0"/>
-                        </a:spcAft>
-                        <a:buClrTx/>
-                        <a:buSzTx/>
-                        <a:buFontTx/>
-                        <a:buNone/>
-                        <a:tabLst/>
-                        <a:defRPr/>
-                      </a:pPr>
-                      <a:r>
-                        <a:rPr lang="en-US" sz="2000" dirty="0"/>
-                        <a:t>Sticky-Notes</a:t>
-                      </a:r>
-                    </a:p>
-                    <a:p>
-                      <a:endParaRPr lang="en-US" dirty="0"/>
-                    </a:p>
-                    <a:p>
-                      <a:endParaRPr lang="en-US" dirty="0"/>
-                    </a:p>
-                  </a:txBody>
-                  <a:tcPr/>
-                </a:tc>
-                <a:tc>
-                  <a:txBody>
-                    <a:bodyPr/>
-                    <a:lstStyle/>
-                    <a:p>
-                      <a:endParaRPr lang="en-US"/>
-                    </a:p>
-                  </a:txBody>
-                  <a:tcPr/>
-                </a:tc>
-                <a:tc>
-                  <a:txBody>
-                    <a:bodyPr/>
-                    <a:lstStyle/>
-                    <a:p>
-                      <a:endParaRPr lang="en-US"/>
-                    </a:p>
-                  </a:txBody>
-                  <a:tcPr/>
-                </a:tc>
-                <a:tc>
-                  <a:txBody>
-                    <a:bodyPr/>
-                    <a:lstStyle/>
-                    <a:p>
-                      <a:endParaRPr lang="en-US"/>
-                    </a:p>
-                  </a:txBody>
-                  <a:tcPr/>
-                </a:tc>
-                <a:tc>
-                  <a:txBody>
-                    <a:bodyPr/>
-                    <a:lstStyle/>
-                    <a:p>
-                      <a:endParaRPr lang="en-US"/>
-                    </a:p>
-                  </a:txBody>
-                  <a:tcPr/>
-                </a:tc>
-                <a:tc>
-                  <a:txBody>
-                    <a:bodyPr/>
-                    <a:lstStyle/>
-                    <a:p>
-                      <a:pPr marL="0" marR="0" lvl="0" indent="0" algn="l" defTabSz="457200" rtl="0" eaLnBrk="1" fontAlgn="auto" latinLnBrk="0" hangingPunct="1">
-                        <a:lnSpc>
-                          <a:spcPct val="100000"/>
-                        </a:lnSpc>
-                        <a:spcBef>
-                          <a:spcPts val="0"/>
-                        </a:spcBef>
-                        <a:spcAft>
-                          <a:spcPts val="0"/>
-                        </a:spcAft>
-                        <a:buClrTx/>
-                        <a:buSzTx/>
-                        <a:buFontTx/>
-                        <a:buNone/>
-                        <a:tabLst/>
-                        <a:defRPr/>
-                      </a:pPr>
-                      <a:endParaRPr lang="en-US" sz="2400" dirty="0"/>
-                    </a:p>
-                    <a:p>
-                      <a:pPr marL="0" marR="0" lvl="0" indent="0" algn="l" defTabSz="457200" rtl="0" eaLnBrk="1" fontAlgn="auto" latinLnBrk="0" hangingPunct="1">
-                        <a:lnSpc>
-                          <a:spcPct val="100000"/>
-                        </a:lnSpc>
-                        <a:spcBef>
-                          <a:spcPts val="0"/>
-                        </a:spcBef>
-                        <a:spcAft>
-                          <a:spcPts val="0"/>
-                        </a:spcAft>
-                        <a:buClrTx/>
-                        <a:buSzTx/>
-                        <a:buFontTx/>
-                        <a:buNone/>
-                        <a:tabLst/>
-                        <a:defRPr/>
-                      </a:pPr>
-                      <a:r>
-                        <a:rPr lang="en-US" sz="2400" dirty="0"/>
-                        <a:t>offline</a:t>
-                      </a:r>
-                    </a:p>
-                    <a:p>
-                      <a:endParaRPr lang="en-US" dirty="0"/>
-                    </a:p>
-                  </a:txBody>
-                  <a:tcPr/>
-                </a:tc>
-                <a:extLst>
-                  <a:ext uri="{0D108BD9-81ED-4DB2-BD59-A6C34878D82A}">
-                    <a16:rowId xmlns:a16="http://schemas.microsoft.com/office/drawing/2014/main" val="4059314725"/>
-                  </a:ext>
-                </a:extLst>
-              </a:tr>
-            </a:tbl>
-          </a:graphicData>
-        </a:graphic>
-      </p:graphicFrame>
-      <p:sp>
-        <p:nvSpPr>
-          <p:cNvPr id="4" name="نجمة: 5 نقاط 3">
-            <a:extLst>
-              <a:ext uri="{FF2B5EF4-FFF2-40B4-BE49-F238E27FC236}">
-                <a16:creationId xmlns:a16="http://schemas.microsoft.com/office/drawing/2014/main" id="{1241D093-4507-4826-9198-B268CF244AC1}"/>
-              </a:ext>
-            </a:extLst>
-          </p:cNvPr>
-          <p:cNvSpPr/>
-          <p:nvPr/>
-        </p:nvSpPr>
-        <p:spPr>
-          <a:xfrm>
-            <a:off x="3071674" y="3429000"/>
-            <a:ext cx="417250" cy="326254"/>
-          </a:xfrm>
-          <a:prstGeom prst="star5">
-            <a:avLst/>
-          </a:prstGeom>
-        </p:spPr>
-        <p:style>
-          <a:lnRef idx="2">
-            <a:schemeClr val="accent1">
-              <a:shade val="50000"/>
-            </a:schemeClr>
-          </a:lnRef>
-          <a:fillRef idx="1">
-            <a:schemeClr val="accent1"/>
-          </a:fillRef>
-          <a:effectRef idx="0">
-            <a:schemeClr val="accent1"/>
-          </a:effectRef>
-          <a:fontRef idx="minor">
-            <a:schemeClr val="lt1"/>
-          </a:fontRef>
-        </p:style>
-        <p:txBody>
-          <a:bodyPr rtlCol="0" anchor="ctr"/>
-          <a:lstStyle/>
-          <a:p>
-            <a:pPr algn="ctr"/>
-            <a:endParaRPr lang="en-US"/>
-          </a:p>
-        </p:txBody>
-      </p:sp>
-      <p:pic>
-        <p:nvPicPr>
-          <p:cNvPr id="5" name="صورة 4">
-            <a:extLst>
-              <a:ext uri="{FF2B5EF4-FFF2-40B4-BE49-F238E27FC236}">
-                <a16:creationId xmlns:a16="http://schemas.microsoft.com/office/drawing/2014/main" id="{45D800C2-83AF-4B1B-B7A7-E09DE6333334}"/>
-              </a:ext>
-            </a:extLst>
-          </p:cNvPr>
-          <p:cNvPicPr>
-            <a:picLocks noChangeAspect="1"/>
-          </p:cNvPicPr>
-          <p:nvPr/>
-        </p:nvPicPr>
-        <p:blipFill>
-          <a:blip r:embed="rId2"/>
-          <a:stretch>
-            <a:fillRect/>
-          </a:stretch>
-        </p:blipFill>
-        <p:spPr>
-          <a:xfrm>
-            <a:off x="4727723" y="3343978"/>
-            <a:ext cx="481626" cy="377985"/>
-          </a:xfrm>
-          <a:prstGeom prst="rect">
-            <a:avLst/>
-          </a:prstGeom>
-        </p:spPr>
-      </p:pic>
-      <p:pic>
-        <p:nvPicPr>
-          <p:cNvPr id="6" name="صورة 5">
-            <a:extLst>
-              <a:ext uri="{FF2B5EF4-FFF2-40B4-BE49-F238E27FC236}">
-                <a16:creationId xmlns:a16="http://schemas.microsoft.com/office/drawing/2014/main" id="{EF6783C1-7E79-416B-97AB-D9A0C7735B99}"/>
-              </a:ext>
-            </a:extLst>
-          </p:cNvPr>
-          <p:cNvPicPr>
-            <a:picLocks noChangeAspect="1"/>
-          </p:cNvPicPr>
-          <p:nvPr/>
-        </p:nvPicPr>
-        <p:blipFill>
-          <a:blip r:embed="rId2"/>
-          <a:stretch>
-            <a:fillRect/>
-          </a:stretch>
-        </p:blipFill>
-        <p:spPr>
-          <a:xfrm>
-            <a:off x="6716345" y="3343977"/>
-            <a:ext cx="481626" cy="377985"/>
-          </a:xfrm>
-          <a:prstGeom prst="rect">
-            <a:avLst/>
-          </a:prstGeom>
-        </p:spPr>
-      </p:pic>
-      <p:pic>
-        <p:nvPicPr>
-          <p:cNvPr id="7" name="صورة 6">
-            <a:extLst>
-              <a:ext uri="{FF2B5EF4-FFF2-40B4-BE49-F238E27FC236}">
-                <a16:creationId xmlns:a16="http://schemas.microsoft.com/office/drawing/2014/main" id="{9EE0B5F9-784D-4983-962E-5B89FB1EFBA9}"/>
-              </a:ext>
-            </a:extLst>
-          </p:cNvPr>
-          <p:cNvPicPr>
-            <a:picLocks noChangeAspect="1"/>
-          </p:cNvPicPr>
-          <p:nvPr/>
-        </p:nvPicPr>
-        <p:blipFill>
-          <a:blip r:embed="rId2"/>
-          <a:stretch>
-            <a:fillRect/>
-          </a:stretch>
-        </p:blipFill>
-        <p:spPr>
-          <a:xfrm>
-            <a:off x="8704919" y="4447370"/>
-            <a:ext cx="481626" cy="377985"/>
-          </a:xfrm>
-          <a:prstGeom prst="rect">
-            <a:avLst/>
-          </a:prstGeom>
-        </p:spPr>
-      </p:pic>
-      <p:pic>
-        <p:nvPicPr>
-          <p:cNvPr id="8" name="Picture 5">
-            <a:extLst>
-              <a:ext uri="{FF2B5EF4-FFF2-40B4-BE49-F238E27FC236}">
-                <a16:creationId xmlns:a16="http://schemas.microsoft.com/office/drawing/2014/main" id="{20BEAE4C-0661-4906-870F-B8517423AF3E}"/>
-              </a:ext>
-            </a:extLst>
-          </p:cNvPr>
-          <p:cNvPicPr>
-            <a:picLocks noChangeAspect="1"/>
-          </p:cNvPicPr>
-          <p:nvPr/>
-        </p:nvPicPr>
-        <p:blipFill>
-          <a:blip r:embed="rId3">
-            <a:extLst>
-              <a:ext uri="{BEBA8EAE-BF5A-486C-A8C5-ECC9F3942E4B}">
-                <a14:imgProps xmlns:a14="http://schemas.microsoft.com/office/drawing/2010/main">
-                  <a14:imgLayer r:embed="rId4">
-                    <a14:imgEffect>
-                      <a14:backgroundRemoval t="7744" b="100000" l="10562" r="93933">
-                        <a14:foregroundMark x1="49663" y1="18519" x2="51236" y2="10101"/>
-                        <a14:foregroundMark x1="55281" y1="19865" x2="54157" y2="16835"/>
-                        <a14:foregroundMark x1="53933" y1="15825" x2="51461" y2="7071"/>
-                        <a14:foregroundMark x1="10787" y1="92929" x2="14831" y2="93603"/>
-                        <a14:foregroundMark x1="15730" y1="92929" x2="15955" y2="88889"/>
-                        <a14:foregroundMark x1="14831" y1="88552" x2="12584" y2="87542"/>
-                        <a14:foregroundMark x1="11461" y1="84848" x2="12809" y2="83165"/>
-                        <a14:foregroundMark x1="19551" y1="81145" x2="19551" y2="91246"/>
-                        <a14:foregroundMark x1="25393" y1="82828" x2="25393" y2="88215"/>
-                        <a14:foregroundMark x1="25393" y1="78788" x2="25393" y2="78114"/>
-                        <a14:foregroundMark x1="29663" y1="85185" x2="32360" y2="83165"/>
-                        <a14:foregroundMark x1="28989" y1="87205" x2="29663" y2="90909"/>
-                        <a14:foregroundMark x1="38427" y1="90236" x2="38427" y2="82828"/>
-                        <a14:foregroundMark x1="40674" y1="87205" x2="42472" y2="85859"/>
-                        <a14:foregroundMark x1="50787" y1="92593" x2="47865" y2="86869"/>
-                        <a14:foregroundMark x1="48315" y1="99327" x2="49213" y2="96633"/>
-                        <a14:foregroundMark x1="51685" y1="90236" x2="52360" y2="87205"/>
-                        <a14:foregroundMark x1="55506" y1="92593" x2="55506" y2="87542"/>
-                        <a14:foregroundMark x1="55506" y1="86195" x2="55506" y2="83165"/>
-                        <a14:foregroundMark x1="56629" y1="84175" x2="57978" y2="82492"/>
-                        <a14:foregroundMark x1="59326" y1="82492" x2="61348" y2="83165"/>
-                        <a14:foregroundMark x1="61798" y1="84175" x2="62247" y2="88215"/>
-                        <a14:foregroundMark x1="62247" y1="93603" x2="62247" y2="90909"/>
-                        <a14:foregroundMark x1="64944" y1="87542" x2="65169" y2="84848"/>
-                        <a14:foregroundMark x1="66517" y1="83838" x2="67865" y2="82492"/>
-                        <a14:foregroundMark x1="70112" y1="83165" x2="71685" y2="84175"/>
-                        <a14:foregroundMark x1="72360" y1="88552" x2="71910" y2="91582"/>
-                        <a14:foregroundMark x1="71236" y1="93266" x2="68764" y2="94276"/>
-                        <a14:foregroundMark x1="67640" y1="94276" x2="65393" y2="91919"/>
-                        <a14:foregroundMark x1="64944" y1="90572" x2="64719" y2="87879"/>
-                        <a14:foregroundMark x1="68090" y1="82828" x2="69438" y2="82492"/>
-                        <a14:foregroundMark x1="75506" y1="86195" x2="75506" y2="81145"/>
-                        <a14:foregroundMark x1="75955" y1="92929" x2="76404" y2="94276"/>
-                        <a14:foregroundMark x1="78202" y1="93939" x2="76629" y2="93939"/>
-                        <a14:foregroundMark x1="79775" y1="88889" x2="79775" y2="86195"/>
-                        <a14:foregroundMark x1="80225" y1="85185" x2="81798" y2="83165"/>
-                        <a14:foregroundMark x1="83596" y1="82828" x2="84944" y2="82828"/>
-                        <a14:foregroundMark x1="85843" y1="83838" x2="86742" y2="85522"/>
-                        <a14:foregroundMark x1="86966" y1="88215" x2="84719" y2="88215"/>
-                        <a14:foregroundMark x1="80449" y1="88215" x2="83596" y2="87879"/>
-                        <a14:foregroundMark x1="79775" y1="90572" x2="81124" y2="92929"/>
-                        <a14:foregroundMark x1="82022" y1="93939" x2="83596" y2="93939"/>
-                        <a14:foregroundMark x1="84944" y1="93939" x2="86292" y2="92929"/>
-                        <a14:foregroundMark x1="88989" y1="84512" x2="89663" y2="82492"/>
-                        <a14:foregroundMark x1="90562" y1="82492" x2="90562" y2="82492"/>
-                        <a14:foregroundMark x1="90562" y1="82492" x2="91685" y2="82492"/>
-                        <a14:foregroundMark x1="92584" y1="82828" x2="93483" y2="82828"/>
-                        <a14:foregroundMark x1="88989" y1="85522" x2="89663" y2="87205"/>
-                        <a14:foregroundMark x1="90337" y1="87879" x2="92135" y2="88552"/>
-                        <a14:foregroundMark x1="92584" y1="88889" x2="93483" y2="89899"/>
-                        <a14:foregroundMark x1="88989" y1="93603" x2="91236" y2="94276"/>
-                      </a14:backgroundRemoval>
-                    </a14:imgEffect>
-                  </a14:imgLayer>
-                </a14:imgProps>
-              </a:ext>
-            </a:extLst>
-          </a:blip>
-          <a:stretch>
-            <a:fillRect/>
-          </a:stretch>
-        </p:blipFill>
-        <p:spPr>
-          <a:xfrm>
-            <a:off x="10325100" y="735895"/>
-            <a:ext cx="1101371" cy="735072"/>
-          </a:xfrm>
-          <a:prstGeom prst="rect">
-            <a:avLst/>
-          </a:prstGeom>
-        </p:spPr>
-      </p:pic>
-      <p:pic>
-        <p:nvPicPr>
-          <p:cNvPr id="2" name="صورة 1">
-            <a:extLst>
-              <a:ext uri="{FF2B5EF4-FFF2-40B4-BE49-F238E27FC236}">
-                <a16:creationId xmlns:a16="http://schemas.microsoft.com/office/drawing/2014/main" id="{0824A0A1-402C-40B7-88F4-C21912448B2B}"/>
-              </a:ext>
-            </a:extLst>
-          </p:cNvPr>
-          <p:cNvPicPr>
-            <a:picLocks noChangeAspect="1"/>
-          </p:cNvPicPr>
-          <p:nvPr/>
-        </p:nvPicPr>
-        <p:blipFill>
-          <a:blip r:embed="rId5"/>
-          <a:stretch>
-            <a:fillRect/>
-          </a:stretch>
-        </p:blipFill>
-        <p:spPr>
-          <a:xfrm>
-            <a:off x="1015990" y="3063208"/>
-            <a:ext cx="1097375" cy="731583"/>
-          </a:xfrm>
-          <a:prstGeom prst="rect">
-            <a:avLst/>
-          </a:prstGeom>
-        </p:spPr>
-      </p:pic>
-    </p:spTree>
-    <p:extLst>
-      <p:ext uri="{BB962C8B-B14F-4D97-AF65-F5344CB8AC3E}">
-        <p14:creationId xmlns:p14="http://schemas.microsoft.com/office/powerpoint/2010/main" val="693893502"/>
-      </p:ext>
-    </p:extLst>
-  </p:cSld>
-  <p:clrMapOvr>
-    <a:masterClrMapping/>
-  </p:clrMapOvr>
-  <p:timing>
-    <p:tnLst>
-      <p:par>
-        <p:cTn id="1" dur="indefinite" restart="never" nodeType="tmRoot"/>
-      </p:par>
-    </p:tnLst>
-  </p:timing>
-</p:sld>
-</file>
-
-<file path=ppt/slides/slide13.xml><?xml version="1.0" encoding="utf-8"?>
+<file path=ppt/slides/slide14.xml><?xml version="1.0" encoding="utf-8"?>
 <p:sld xmlns:a="http://schemas.openxmlformats.org/drawingml/2006/main" xmlns:r="http://schemas.openxmlformats.org/officeDocument/2006/relationships" xmlns:p="http://schemas.openxmlformats.org/presentationml/2006/main">
   <p:cSld>
     <p:spTree>
@@ -7427,37 +6893,68 @@
         </p:nvSpPr>
         <p:spPr/>
         <p:txBody>
-          <a:bodyPr/>
+          <a:bodyPr>
+            <a:normAutofit fontScale="92500" lnSpcReduction="20000"/>
+          </a:bodyPr>
           <a:lstStyle/>
           <a:p>
             <a:r>
               <a:rPr lang="en-US" dirty="0"/>
-              <a:t>What is Sticky-Notes ?</a:t>
-            </a:r>
+              <a:t>What is Sticky-Notes </a:t>
+            </a:r>
+            <a:r>
+              <a:rPr lang="en-US" dirty="0" smtClean="0"/>
+              <a:t>?</a:t>
+            </a:r>
+          </a:p>
+          <a:p>
+            <a:r>
+              <a:rPr lang="en-US" dirty="0" smtClean="0"/>
+              <a:t>Beginning </a:t>
+            </a:r>
+            <a:endParaRPr lang="en-US" dirty="0" smtClean="0"/>
+          </a:p>
+          <a:p>
+            <a:r>
+              <a:rPr lang="en-US" dirty="0" smtClean="0"/>
+              <a:t>Tool</a:t>
+            </a:r>
+            <a:endParaRPr lang="en-US" dirty="0"/>
           </a:p>
           <a:p>
             <a:r>
               <a:rPr lang="en-US" dirty="0"/>
-              <a:t> What is operating system  run Sticky-Notes ?</a:t>
+              <a:t>Programming language</a:t>
             </a:r>
           </a:p>
           <a:p>
             <a:r>
               <a:rPr lang="en-US" dirty="0"/>
-              <a:t>How to reach Sticky-Notes ?</a:t>
-            </a:r>
+              <a:t>Team management </a:t>
+            </a:r>
+            <a:endParaRPr lang="en-US" dirty="0" smtClean="0"/>
           </a:p>
           <a:p>
             <a:r>
               <a:rPr lang="en-US" dirty="0"/>
               <a:t>How to use Sticky-Notes ?</a:t>
             </a:r>
-            <a:endParaRPr lang="ar-MA" dirty="0"/>
-          </a:p>
-          <a:p>
+            <a:endParaRPr lang="en-US" dirty="0" smtClean="0"/>
+          </a:p>
+          <a:p>
+            <a:r>
+              <a:rPr lang="en-US" dirty="0" smtClean="0"/>
+              <a:t>problem</a:t>
+            </a:r>
+          </a:p>
+          <a:p>
+            <a:r>
+              <a:rPr lang="en-US" dirty="0" smtClean="0"/>
+              <a:t>What </a:t>
+            </a:r>
             <a:r>
               <a:rPr lang="en-US" dirty="0"/>
-              <a:t>What is Future Plans ?</a:t>
+              <a:t>is Future Plans ?</a:t>
             </a:r>
           </a:p>
           <a:p>
@@ -7588,184 +7085,6 @@
           <p:cNvPr id="2" name="عنوان 1">
             <a:extLst>
               <a:ext uri="{FF2B5EF4-FFF2-40B4-BE49-F238E27FC236}">
-                <a16:creationId xmlns:a16="http://schemas.microsoft.com/office/drawing/2014/main" id="{CD50704E-1440-49DD-9D12-165E95D26AB4}"/>
-              </a:ext>
-            </a:extLst>
-          </p:cNvPr>
-          <p:cNvSpPr>
-            <a:spLocks noGrp="1"/>
-          </p:cNvSpPr>
-          <p:nvPr>
-            <p:ph type="title"/>
-          </p:nvPr>
-        </p:nvSpPr>
-        <p:spPr/>
-        <p:txBody>
-          <a:bodyPr/>
-          <a:lstStyle/>
-          <a:p>
-            <a:endParaRPr lang="en-US"/>
-          </a:p>
-        </p:txBody>
-      </p:sp>
-      <p:pic>
-        <p:nvPicPr>
-          <p:cNvPr id="5" name="عنصر نائب للمحتوى 4">
-            <a:extLst>
-              <a:ext uri="{FF2B5EF4-FFF2-40B4-BE49-F238E27FC236}">
-                <a16:creationId xmlns:a16="http://schemas.microsoft.com/office/drawing/2014/main" id="{C2363CF1-6829-488F-AFA7-3FC8F34C51B8}"/>
-              </a:ext>
-            </a:extLst>
-          </p:cNvPr>
-          <p:cNvPicPr>
-            <a:picLocks noGrp="1" noChangeAspect="1"/>
-          </p:cNvPicPr>
-          <p:nvPr>
-            <p:ph idx="1"/>
-          </p:nvPr>
-        </p:nvPicPr>
-        <p:blipFill>
-          <a:blip r:embed="rId2">
-            <a:extLst>
-              <a:ext uri="{28A0092B-C50C-407E-A947-70E740481C1C}">
-                <a14:useLocalDpi xmlns:a14="http://schemas.microsoft.com/office/drawing/2010/main" val="0"/>
-              </a:ext>
-            </a:extLst>
-          </a:blip>
-          <a:stretch>
-            <a:fillRect/>
-          </a:stretch>
-        </p:blipFill>
-        <p:spPr>
-          <a:xfrm>
-            <a:off x="1396753" y="1328361"/>
-            <a:ext cx="9499845" cy="4468757"/>
-          </a:xfrm>
-        </p:spPr>
-      </p:pic>
-      <p:pic>
-        <p:nvPicPr>
-          <p:cNvPr id="6" name="Picture 5"/>
-          <p:cNvPicPr>
-            <a:picLocks noChangeAspect="1"/>
-          </p:cNvPicPr>
-          <p:nvPr/>
-        </p:nvPicPr>
-        <p:blipFill>
-          <a:blip r:embed="rId3">
-            <a:extLst>
-              <a:ext uri="{BEBA8EAE-BF5A-486C-A8C5-ECC9F3942E4B}">
-                <a14:imgProps xmlns:a14="http://schemas.microsoft.com/office/drawing/2010/main">
-                  <a14:imgLayer r:embed="rId4">
-                    <a14:imgEffect>
-                      <a14:backgroundRemoval t="7744" b="100000" l="10562" r="93933">
-                        <a14:foregroundMark x1="49663" y1="18519" x2="51236" y2="10101"/>
-                        <a14:foregroundMark x1="55281" y1="19865" x2="54157" y2="16835"/>
-                        <a14:foregroundMark x1="53933" y1="15825" x2="51461" y2="7071"/>
-                        <a14:foregroundMark x1="10787" y1="92929" x2="14831" y2="93603"/>
-                        <a14:foregroundMark x1="15730" y1="92929" x2="15955" y2="88889"/>
-                        <a14:foregroundMark x1="14831" y1="88552" x2="12584" y2="87542"/>
-                        <a14:foregroundMark x1="11461" y1="84848" x2="12809" y2="83165"/>
-                        <a14:foregroundMark x1="19551" y1="81145" x2="19551" y2="91246"/>
-                        <a14:foregroundMark x1="25393" y1="82828" x2="25393" y2="88215"/>
-                        <a14:foregroundMark x1="25393" y1="78788" x2="25393" y2="78114"/>
-                        <a14:foregroundMark x1="29663" y1="85185" x2="32360" y2="83165"/>
-                        <a14:foregroundMark x1="28989" y1="87205" x2="29663" y2="90909"/>
-                        <a14:foregroundMark x1="38427" y1="90236" x2="38427" y2="82828"/>
-                        <a14:foregroundMark x1="40674" y1="87205" x2="42472" y2="85859"/>
-                        <a14:foregroundMark x1="50787" y1="92593" x2="47865" y2="86869"/>
-                        <a14:foregroundMark x1="48315" y1="99327" x2="49213" y2="96633"/>
-                        <a14:foregroundMark x1="51685" y1="90236" x2="52360" y2="87205"/>
-                        <a14:foregroundMark x1="55506" y1="92593" x2="55506" y2="87542"/>
-                        <a14:foregroundMark x1="55506" y1="86195" x2="55506" y2="83165"/>
-                        <a14:foregroundMark x1="56629" y1="84175" x2="57978" y2="82492"/>
-                        <a14:foregroundMark x1="59326" y1="82492" x2="61348" y2="83165"/>
-                        <a14:foregroundMark x1="61798" y1="84175" x2="62247" y2="88215"/>
-                        <a14:foregroundMark x1="62247" y1="93603" x2="62247" y2="90909"/>
-                        <a14:foregroundMark x1="64944" y1="87542" x2="65169" y2="84848"/>
-                        <a14:foregroundMark x1="66517" y1="83838" x2="67865" y2="82492"/>
-                        <a14:foregroundMark x1="70112" y1="83165" x2="71685" y2="84175"/>
-                        <a14:foregroundMark x1="72360" y1="88552" x2="71910" y2="91582"/>
-                        <a14:foregroundMark x1="71236" y1="93266" x2="68764" y2="94276"/>
-                        <a14:foregroundMark x1="67640" y1="94276" x2="65393" y2="91919"/>
-                        <a14:foregroundMark x1="64944" y1="90572" x2="64719" y2="87879"/>
-                        <a14:foregroundMark x1="68090" y1="82828" x2="69438" y2="82492"/>
-                        <a14:foregroundMark x1="75506" y1="86195" x2="75506" y2="81145"/>
-                        <a14:foregroundMark x1="75955" y1="92929" x2="76404" y2="94276"/>
-                        <a14:foregroundMark x1="78202" y1="93939" x2="76629" y2="93939"/>
-                        <a14:foregroundMark x1="79775" y1="88889" x2="79775" y2="86195"/>
-                        <a14:foregroundMark x1="80225" y1="85185" x2="81798" y2="83165"/>
-                        <a14:foregroundMark x1="83596" y1="82828" x2="84944" y2="82828"/>
-                        <a14:foregroundMark x1="85843" y1="83838" x2="86742" y2="85522"/>
-                        <a14:foregroundMark x1="86966" y1="88215" x2="84719" y2="88215"/>
-                        <a14:foregroundMark x1="80449" y1="88215" x2="83596" y2="87879"/>
-                        <a14:foregroundMark x1="79775" y1="90572" x2="81124" y2="92929"/>
-                        <a14:foregroundMark x1="82022" y1="93939" x2="83596" y2="93939"/>
-                        <a14:foregroundMark x1="84944" y1="93939" x2="86292" y2="92929"/>
-                        <a14:foregroundMark x1="88989" y1="84512" x2="89663" y2="82492"/>
-                        <a14:foregroundMark x1="90562" y1="82492" x2="90562" y2="82492"/>
-                        <a14:foregroundMark x1="90562" y1="82492" x2="91685" y2="82492"/>
-                        <a14:foregroundMark x1="92584" y1="82828" x2="93483" y2="82828"/>
-                        <a14:foregroundMark x1="88989" y1="85522" x2="89663" y2="87205"/>
-                        <a14:foregroundMark x1="90337" y1="87879" x2="92135" y2="88552"/>
-                        <a14:foregroundMark x1="92584" y1="88889" x2="93483" y2="89899"/>
-                        <a14:foregroundMark x1="88989" y1="93603" x2="91236" y2="94276"/>
-                      </a14:backgroundRemoval>
-                    </a14:imgEffect>
-                  </a14:imgLayer>
-                </a14:imgProps>
-              </a:ext>
-            </a:extLst>
-          </a:blip>
-          <a:stretch>
-            <a:fillRect/>
-          </a:stretch>
-        </p:blipFill>
-        <p:spPr>
-          <a:xfrm>
-            <a:off x="10325100" y="735895"/>
-            <a:ext cx="1101371" cy="735072"/>
-          </a:xfrm>
-          <a:prstGeom prst="rect">
-            <a:avLst/>
-          </a:prstGeom>
-        </p:spPr>
-      </p:pic>
-    </p:spTree>
-    <p:extLst>
-      <p:ext uri="{BB962C8B-B14F-4D97-AF65-F5344CB8AC3E}">
-        <p14:creationId xmlns:p14="http://schemas.microsoft.com/office/powerpoint/2010/main" val="2760900824"/>
-      </p:ext>
-    </p:extLst>
-  </p:cSld>
-  <p:clrMapOvr>
-    <a:masterClrMapping/>
-  </p:clrMapOvr>
-</p:sld>
-</file>
-
-<file path=ppt/slides/slide4.xml><?xml version="1.0" encoding="utf-8"?>
-<p:sld xmlns:a="http://schemas.openxmlformats.org/drawingml/2006/main" xmlns:r="http://schemas.openxmlformats.org/officeDocument/2006/relationships" xmlns:p="http://schemas.openxmlformats.org/presentationml/2006/main">
-  <p:cSld>
-    <p:spTree>
-      <p:nvGrpSpPr>
-        <p:cNvPr id="1" name=""/>
-        <p:cNvGrpSpPr/>
-        <p:nvPr/>
-      </p:nvGrpSpPr>
-      <p:grpSpPr>
-        <a:xfrm>
-          <a:off x="0" y="0"/>
-          <a:ext cx="0" cy="0"/>
-          <a:chOff x="0" y="0"/>
-          <a:chExt cx="0" cy="0"/>
-        </a:xfrm>
-      </p:grpSpPr>
-      <p:sp>
-        <p:nvSpPr>
-          <p:cNvPr id="2" name="عنوان 1">
-            <a:extLst>
-              <a:ext uri="{FF2B5EF4-FFF2-40B4-BE49-F238E27FC236}">
                 <a16:creationId xmlns:a16="http://schemas.microsoft.com/office/drawing/2014/main" id="{C6CE76F1-D796-4E65-A415-09D97D64F11C}"/>
               </a:ext>
             </a:extLst>
@@ -7837,6 +7156,16 @@
               <a:rPr lang="en-US" sz="3600" dirty="0"/>
               <a:t>Offline </a:t>
             </a:r>
+            <a:endParaRPr lang="en-US" sz="3600" dirty="0" smtClean="0"/>
+          </a:p>
+          <a:p>
+            <a:r>
+              <a:rPr lang="en-US" sz="3600" dirty="0"/>
+              <a:t>What is operating system  run Sticky-Notes ?</a:t>
+            </a:r>
+          </a:p>
+          <a:p>
+            <a:endParaRPr lang="en-US" sz="3600" dirty="0"/>
           </a:p>
           <a:p>
             <a:endParaRPr lang="en-US" dirty="0"/>
@@ -7944,7 +7273,7 @@
 </p:sld>
 </file>
 
-<file path=ppt/slides/slide5.xml><?xml version="1.0" encoding="utf-8"?>
+<file path=ppt/slides/slide4.xml><?xml version="1.0" encoding="utf-8"?>
 <p:sld xmlns:a="http://schemas.openxmlformats.org/drawingml/2006/main" xmlns:r="http://schemas.openxmlformats.org/officeDocument/2006/relationships" xmlns:p="http://schemas.openxmlformats.org/presentationml/2006/main">
   <p:cSld>
     <p:spTree>
@@ -8169,7 +7498,7 @@
 </p:sld>
 </file>
 
-<file path=ppt/slides/slide6.xml><?xml version="1.0" encoding="utf-8"?>
+<file path=ppt/slides/slide5.xml><?xml version="1.0" encoding="utf-8"?>
 <p:sld xmlns:a="http://schemas.openxmlformats.org/drawingml/2006/main" xmlns:r="http://schemas.openxmlformats.org/officeDocument/2006/relationships" xmlns:p="http://schemas.openxmlformats.org/presentationml/2006/main">
   <p:cSld>
     <p:spTree>
@@ -8198,155 +7527,49 @@
         </p:nvSpPr>
         <p:spPr/>
         <p:txBody>
-          <a:bodyPr>
-            <a:normAutofit/>
-          </a:bodyPr>
+          <a:bodyPr/>
           <a:lstStyle/>
           <a:p>
             <a:r>
               <a:rPr lang="en-US" dirty="0"/>
-              <a:t>How to reach Sticky-Notes ?</a:t>
-            </a:r>
+              <a:t>Beginning</a:t>
+            </a:r>
+          </a:p>
+        </p:txBody>
+      </p:sp>
+      <p:sp>
+        <p:nvSpPr>
+          <p:cNvPr id="3" name="Content Placeholder 2"/>
+          <p:cNvSpPr>
+            <a:spLocks noGrp="1"/>
+          </p:cNvSpPr>
+          <p:nvPr>
+            <p:ph idx="1"/>
+          </p:nvPr>
+        </p:nvSpPr>
+        <p:spPr/>
+        <p:txBody>
+          <a:bodyPr/>
+          <a:lstStyle/>
+          <a:p>
+            <a:endParaRPr lang="en-US" dirty="0"/>
           </a:p>
         </p:txBody>
       </p:sp>
       <p:pic>
         <p:nvPicPr>
-          <p:cNvPr id="4" name="Content Placeholder 3"/>
-          <p:cNvPicPr>
-            <a:picLocks noGrp="1" noChangeAspect="1"/>
-          </p:cNvPicPr>
-          <p:nvPr>
-            <p:ph idx="1"/>
-          </p:nvPr>
-        </p:nvPicPr>
-        <p:blipFill>
-          <a:blip r:embed="rId2" cstate="print">
-            <a:extLst>
-              <a:ext uri="{28A0092B-C50C-407E-A947-70E740481C1C}">
-                <a14:useLocalDpi xmlns:a14="http://schemas.microsoft.com/office/drawing/2010/main" val="0"/>
-              </a:ext>
-            </a:extLst>
-          </a:blip>
-          <a:stretch>
-            <a:fillRect/>
-          </a:stretch>
-        </p:blipFill>
-        <p:spPr>
-          <a:xfrm>
-            <a:off x="1693862" y="2597219"/>
-            <a:ext cx="3317875" cy="3317875"/>
-          </a:xfrm>
-        </p:spPr>
-      </p:pic>
-      <p:pic>
-        <p:nvPicPr>
-          <p:cNvPr id="5" name="Picture 4"/>
+          <p:cNvPr id="4" name="Picture 3"/>
           <p:cNvPicPr>
             <a:picLocks noChangeAspect="1"/>
           </p:cNvPicPr>
           <p:nvPr/>
         </p:nvPicPr>
         <p:blipFill>
-          <a:blip r:embed="rId3">
-            <a:extLst>
-              <a:ext uri="{28A0092B-C50C-407E-A947-70E740481C1C}">
-                <a14:useLocalDpi xmlns:a14="http://schemas.microsoft.com/office/drawing/2010/main" val="0"/>
-              </a:ext>
-            </a:extLst>
-          </a:blip>
-          <a:stretch>
-            <a:fillRect/>
-          </a:stretch>
-        </p:blipFill>
-        <p:spPr>
-          <a:xfrm>
-            <a:off x="6065975" y="2776123"/>
-            <a:ext cx="2574442" cy="2574442"/>
-          </a:xfrm>
-          <a:prstGeom prst="rect">
-            <a:avLst/>
-          </a:prstGeom>
-        </p:spPr>
-      </p:pic>
-      <p:sp>
-        <p:nvSpPr>
-          <p:cNvPr id="6" name="TextBox 5"/>
-          <p:cNvSpPr txBox="1"/>
-          <p:nvPr/>
-        </p:nvSpPr>
-        <p:spPr>
-          <a:xfrm>
-            <a:off x="5565913" y="5656023"/>
-            <a:ext cx="3933513" cy="369332"/>
-          </a:xfrm>
-          <a:prstGeom prst="rect">
-            <a:avLst/>
-          </a:prstGeom>
-          <a:noFill/>
-        </p:spPr>
-        <p:txBody>
-          <a:bodyPr wrap="none" rtlCol="0">
-            <a:spAutoFit/>
-          </a:bodyPr>
-          <a:lstStyle/>
-          <a:p>
-            <a:r>
-              <a:rPr lang="en-US" dirty="0">
-                <a:hlinkClick r:id="rId4"/>
-              </a:rPr>
-              <a:t>https://www.facebook.com/</a:t>
-            </a:r>
-            <a:r>
-              <a:rPr lang="en-US" dirty="0"/>
-              <a:t>Sticky-Notes</a:t>
-            </a:r>
-          </a:p>
-        </p:txBody>
-      </p:sp>
-      <p:sp>
-        <p:nvSpPr>
-          <p:cNvPr id="7" name="TextBox 6"/>
-          <p:cNvSpPr txBox="1"/>
-          <p:nvPr/>
-        </p:nvSpPr>
-        <p:spPr>
-          <a:xfrm>
-            <a:off x="2570922" y="5730428"/>
-            <a:ext cx="1465466" cy="369332"/>
-          </a:xfrm>
-          <a:prstGeom prst="rect">
-            <a:avLst/>
-          </a:prstGeom>
-          <a:noFill/>
-        </p:spPr>
-        <p:txBody>
-          <a:bodyPr wrap="none" rtlCol="0">
-            <a:spAutoFit/>
-          </a:bodyPr>
-          <a:lstStyle/>
-          <a:p>
-            <a:r>
-              <a:rPr lang="en-US" dirty="0"/>
-              <a:t>Scan QR code</a:t>
-            </a:r>
-          </a:p>
-        </p:txBody>
-      </p:sp>
-      <p:pic>
-        <p:nvPicPr>
-          <p:cNvPr id="8" name="Picture 7"/>
-          <p:cNvPicPr>
-            <a:picLocks noChangeAspect="1"/>
-          </p:cNvPicPr>
-          <p:nvPr/>
-        </p:nvPicPr>
-        <p:blipFill>
-          <a:blip r:embed="rId5">
+          <a:blip r:embed="rId2">
             <a:extLst>
               <a:ext uri="{BEBA8EAE-BF5A-486C-A8C5-ECC9F3942E4B}">
                 <a14:imgProps xmlns:a14="http://schemas.microsoft.com/office/drawing/2010/main">
-                  <a14:imgLayer r:embed="rId6">
+                  <a14:imgLayer r:embed="rId3">
                     <a14:imgEffect>
                       <a14:backgroundRemoval t="7744" b="100000" l="10562" r="93933">
                         <a14:foregroundMark x1="49663" y1="18519" x2="51236" y2="10101"/>
@@ -8424,7 +7647,7 @@
     </p:spTree>
     <p:extLst>
       <p:ext uri="{BB962C8B-B14F-4D97-AF65-F5344CB8AC3E}">
-        <p14:creationId xmlns:p14="http://schemas.microsoft.com/office/powerpoint/2010/main" val="1525135425"/>
+        <p14:creationId xmlns:p14="http://schemas.microsoft.com/office/powerpoint/2010/main" val="3499558499"/>
       </p:ext>
     </p:extLst>
   </p:cSld>
@@ -8434,7 +7657,7 @@
 </p:sld>
 </file>
 
-<file path=ppt/slides/slide7.xml><?xml version="1.0" encoding="utf-8"?>
+<file path=ppt/slides/slide6.xml><?xml version="1.0" encoding="utf-8"?>
 <p:sld xmlns:a="http://schemas.openxmlformats.org/drawingml/2006/main" xmlns:r="http://schemas.openxmlformats.org/officeDocument/2006/relationships" xmlns:p="http://schemas.openxmlformats.org/presentationml/2006/main">
   <p:cSld>
     <p:spTree>
@@ -8463,14 +7686,12 @@
         </p:nvSpPr>
         <p:spPr/>
         <p:txBody>
-          <a:bodyPr>
-            <a:normAutofit/>
-          </a:bodyPr>
+          <a:bodyPr/>
           <a:lstStyle/>
           <a:p>
             <a:r>
               <a:rPr lang="en-US" dirty="0"/>
-              <a:t>How to use Sticky-Notes ?</a:t>
+              <a:t>Tool</a:t>
             </a:r>
           </a:p>
         </p:txBody>
@@ -8485,12 +7706,62 @@
             <p:ph idx="1"/>
           </p:nvPr>
         </p:nvSpPr>
-        <p:spPr/>
+        <p:spPr>
+          <a:xfrm>
+            <a:off x="1295402" y="2583436"/>
+            <a:ext cx="9601196" cy="3318936"/>
+          </a:xfrm>
+        </p:spPr>
         <p:txBody>
           <a:bodyPr/>
           <a:lstStyle/>
           <a:p>
+            <a:r>
+              <a:rPr lang="en-US" dirty="0" err="1"/>
+              <a:t>git</a:t>
+            </a:r>
             <a:endParaRPr lang="en-US" dirty="0"/>
+          </a:p>
+          <a:p>
+            <a:r>
+              <a:rPr lang="en-US" dirty="0" err="1"/>
+              <a:t>github</a:t>
+            </a:r>
+            <a:r>
+              <a:rPr lang="en-US" dirty="0"/>
+              <a:t> “https://github.com/ibrahim123abusamrah/Sticky-Notes”</a:t>
+            </a:r>
+          </a:p>
+          <a:p>
+            <a:r>
+              <a:rPr lang="en-US" dirty="0" err="1"/>
+              <a:t>github</a:t>
+            </a:r>
+            <a:r>
+              <a:rPr lang="en-US" dirty="0"/>
+              <a:t> </a:t>
+            </a:r>
+            <a:r>
+              <a:rPr lang="en-US" dirty="0" err="1"/>
+              <a:t>Destop</a:t>
+            </a:r>
+            <a:endParaRPr lang="en-US" dirty="0"/>
+          </a:p>
+          <a:p>
+            <a:r>
+              <a:rPr lang="en-US" dirty="0"/>
+              <a:t>Trello “https://trello.com/b/YovZ72BL/project-sticky-notes”</a:t>
+            </a:r>
+          </a:p>
+          <a:p>
+            <a:r>
+              <a:rPr lang="en-US" dirty="0" err="1"/>
+              <a:t>clion</a:t>
+            </a:r>
+            <a:r>
+              <a:rPr lang="en-US" dirty="0"/>
+              <a:t> A cross-platform IDE for C and C++</a:t>
+            </a:r>
           </a:p>
         </p:txBody>
       </p:sp>
@@ -8503,35 +7774,11 @@
           <p:nvPr/>
         </p:nvPicPr>
         <p:blipFill>
-          <a:blip r:embed="rId2"/>
-          <a:stretch>
-            <a:fillRect/>
-          </a:stretch>
-        </p:blipFill>
-        <p:spPr>
-          <a:xfrm>
-            <a:off x="1295400" y="2556932"/>
-            <a:ext cx="7208519" cy="3563210"/>
-          </a:xfrm>
-          <a:prstGeom prst="rect">
-            <a:avLst/>
-          </a:prstGeom>
-        </p:spPr>
-      </p:pic>
-      <p:pic>
-        <p:nvPicPr>
-          <p:cNvPr id="5" name="Picture 4"/>
-          <p:cNvPicPr>
-            <a:picLocks noChangeAspect="1"/>
-          </p:cNvPicPr>
-          <p:nvPr/>
-        </p:nvPicPr>
-        <p:blipFill>
-          <a:blip r:embed="rId3">
+          <a:blip r:embed="rId2">
             <a:extLst>
               <a:ext uri="{BEBA8EAE-BF5A-486C-A8C5-ECC9F3942E4B}">
                 <a14:imgProps xmlns:a14="http://schemas.microsoft.com/office/drawing/2010/main">
-                  <a14:imgLayer r:embed="rId4">
+                  <a14:imgLayer r:embed="rId3">
                     <a14:imgEffect>
                       <a14:backgroundRemoval t="7744" b="100000" l="10562" r="93933">
                         <a14:foregroundMark x1="49663" y1="18519" x2="51236" y2="10101"/>
@@ -8609,7 +7856,7 @@
     </p:spTree>
     <p:extLst>
       <p:ext uri="{BB962C8B-B14F-4D97-AF65-F5344CB8AC3E}">
-        <p14:creationId xmlns:p14="http://schemas.microsoft.com/office/powerpoint/2010/main" val="522472815"/>
+        <p14:creationId xmlns:p14="http://schemas.microsoft.com/office/powerpoint/2010/main" val="3104490422"/>
       </p:ext>
     </p:extLst>
   </p:cSld>
@@ -8619,7 +7866,7 @@
 </p:sld>
 </file>
 
-<file path=ppt/slides/slide8.xml><?xml version="1.0" encoding="utf-8"?>
+<file path=ppt/slides/slide7.xml><?xml version="1.0" encoding="utf-8"?>
 <p:sld xmlns:a="http://schemas.openxmlformats.org/drawingml/2006/main" xmlns:r="http://schemas.openxmlformats.org/officeDocument/2006/relationships" xmlns:p="http://schemas.openxmlformats.org/presentationml/2006/main">
   <p:cSld>
     <p:spTree>
@@ -8648,13 +7895,20 @@
         </p:nvSpPr>
         <p:spPr/>
         <p:txBody>
-          <a:bodyPr/>
+          <a:bodyPr>
+            <a:normAutofit/>
+          </a:bodyPr>
           <a:lstStyle/>
           <a:p>
             <a:r>
               <a:rPr lang="en-US" dirty="0"/>
-              <a:t>Add user name</a:t>
-            </a:r>
+              <a:t>Programming </a:t>
+            </a:r>
+            <a:r>
+              <a:rPr lang="en-US" dirty="0" smtClean="0"/>
+              <a:t>language</a:t>
+            </a:r>
+            <a:endParaRPr lang="en-US" dirty="0"/>
           </a:p>
         </p:txBody>
       </p:sp>
@@ -8670,51 +7924,33 @@
         </p:nvSpPr>
         <p:spPr/>
         <p:txBody>
-          <a:bodyPr/>
-          <a:lstStyle/>
-          <a:p>
-            <a:endParaRPr lang="en-US"/>
+          <a:bodyPr>
+            <a:normAutofit/>
+          </a:bodyPr>
+          <a:lstStyle/>
+          <a:p>
+            <a:r>
+              <a:rPr lang="en-US" sz="3600" dirty="0" err="1"/>
+              <a:t>c++</a:t>
+            </a:r>
+            <a:endParaRPr lang="en-US" sz="3600" dirty="0"/>
           </a:p>
         </p:txBody>
       </p:sp>
       <p:pic>
         <p:nvPicPr>
-          <p:cNvPr id="5" name="Picture 4"/>
+          <p:cNvPr id="4" name="Picture 3"/>
           <p:cNvPicPr>
             <a:picLocks noChangeAspect="1"/>
           </p:cNvPicPr>
           <p:nvPr/>
         </p:nvPicPr>
         <p:blipFill>
-          <a:blip r:embed="rId2"/>
-          <a:stretch>
-            <a:fillRect/>
-          </a:stretch>
-        </p:blipFill>
-        <p:spPr>
-          <a:xfrm>
-            <a:off x="1190897" y="2575372"/>
-            <a:ext cx="7783287" cy="3571429"/>
-          </a:xfrm>
-          <a:prstGeom prst="rect">
-            <a:avLst/>
-          </a:prstGeom>
-        </p:spPr>
-      </p:pic>
-      <p:pic>
-        <p:nvPicPr>
-          <p:cNvPr id="6" name="Picture 5"/>
-          <p:cNvPicPr>
-            <a:picLocks noChangeAspect="1"/>
-          </p:cNvPicPr>
-          <p:nvPr/>
-        </p:nvPicPr>
-        <p:blipFill>
-          <a:blip r:embed="rId3">
+          <a:blip r:embed="rId2">
             <a:extLst>
               <a:ext uri="{BEBA8EAE-BF5A-486C-A8C5-ECC9F3942E4B}">
                 <a14:imgProps xmlns:a14="http://schemas.microsoft.com/office/drawing/2010/main">
-                  <a14:imgLayer r:embed="rId4">
+                  <a14:imgLayer r:embed="rId3">
                     <a14:imgEffect>
                       <a14:backgroundRemoval t="7744" b="100000" l="10562" r="93933">
                         <a14:foregroundMark x1="49663" y1="18519" x2="51236" y2="10101"/>
@@ -8792,7 +8028,7 @@
     </p:spTree>
     <p:extLst>
       <p:ext uri="{BB962C8B-B14F-4D97-AF65-F5344CB8AC3E}">
-        <p14:creationId xmlns:p14="http://schemas.microsoft.com/office/powerpoint/2010/main" val="3548886476"/>
+        <p14:creationId xmlns:p14="http://schemas.microsoft.com/office/powerpoint/2010/main" val="2131115427"/>
       </p:ext>
     </p:extLst>
   </p:cSld>
@@ -8802,7 +8038,7 @@
 </p:sld>
 </file>
 
-<file path=ppt/slides/slide9.xml><?xml version="1.0" encoding="utf-8"?>
+<file path=ppt/slides/slide8.xml><?xml version="1.0" encoding="utf-8"?>
 <p:sld xmlns:a="http://schemas.openxmlformats.org/drawingml/2006/main" xmlns:r="http://schemas.openxmlformats.org/officeDocument/2006/relationships" xmlns:p="http://schemas.openxmlformats.org/presentationml/2006/main">
   <p:cSld>
     <p:spTree>
@@ -8831,54 +8067,75 @@
         </p:nvSpPr>
         <p:spPr/>
         <p:txBody>
+          <a:bodyPr>
+            <a:normAutofit/>
+          </a:bodyPr>
+          <a:lstStyle/>
+          <a:p>
+            <a:r>
+              <a:rPr lang="en-US" dirty="0"/>
+              <a:t>Team management </a:t>
+            </a:r>
+          </a:p>
+        </p:txBody>
+      </p:sp>
+      <p:sp>
+        <p:nvSpPr>
+          <p:cNvPr id="3" name="Content Placeholder 2"/>
+          <p:cNvSpPr>
+            <a:spLocks noGrp="1"/>
+          </p:cNvSpPr>
+          <p:nvPr>
+            <p:ph idx="1"/>
+          </p:nvPr>
+        </p:nvSpPr>
+        <p:spPr/>
+        <p:txBody>
           <a:bodyPr/>
           <a:lstStyle/>
           <a:p>
             <a:r>
+              <a:rPr lang="en-US" dirty="0" smtClean="0"/>
+              <a:t>Trello :</a:t>
+            </a:r>
+          </a:p>
+          <a:p>
+            <a:pPr marL="0" indent="0">
+              <a:buNone/>
+            </a:pPr>
+            <a:r>
+              <a:rPr lang="en-US" dirty="0" smtClean="0"/>
+              <a:t> https</a:t>
+            </a:r>
+            <a:r>
               <a:rPr lang="en-US" dirty="0"/>
-              <a:t>Add user note</a:t>
-            </a:r>
+              <a:t>://</a:t>
+            </a:r>
+            <a:r>
+              <a:rPr lang="en-US" dirty="0" smtClean="0"/>
+              <a:t>trello.com/b/YovZ72BL/project-sticky-notes</a:t>
+            </a:r>
+            <a:endParaRPr lang="en-US" dirty="0"/>
+          </a:p>
+          <a:p>
+            <a:endParaRPr lang="en-US" dirty="0"/>
           </a:p>
         </p:txBody>
       </p:sp>
       <p:pic>
         <p:nvPicPr>
-          <p:cNvPr id="6" name="Picture 5"/>
+          <p:cNvPr id="5" name="Picture 4"/>
           <p:cNvPicPr>
             <a:picLocks noChangeAspect="1"/>
           </p:cNvPicPr>
           <p:nvPr/>
         </p:nvPicPr>
         <p:blipFill>
-          <a:blip r:embed="rId2"/>
-          <a:stretch>
-            <a:fillRect/>
-          </a:stretch>
-        </p:blipFill>
-        <p:spPr>
-          <a:xfrm>
-            <a:off x="1295401" y="2556933"/>
-            <a:ext cx="8018416" cy="3471706"/>
-          </a:xfrm>
-          <a:prstGeom prst="rect">
-            <a:avLst/>
-          </a:prstGeom>
-        </p:spPr>
-      </p:pic>
-      <p:pic>
-        <p:nvPicPr>
-          <p:cNvPr id="4" name="Picture 3"/>
-          <p:cNvPicPr>
-            <a:picLocks noChangeAspect="1"/>
-          </p:cNvPicPr>
-          <p:nvPr/>
-        </p:nvPicPr>
-        <p:blipFill>
-          <a:blip r:embed="rId3">
+          <a:blip r:embed="rId2">
             <a:extLst>
               <a:ext uri="{BEBA8EAE-BF5A-486C-A8C5-ECC9F3942E4B}">
                 <a14:imgProps xmlns:a14="http://schemas.microsoft.com/office/drawing/2010/main">
-                  <a14:imgLayer r:embed="rId4">
+                  <a14:imgLayer r:embed="rId3">
                     <a14:imgEffect>
                       <a14:backgroundRemoval t="7744" b="100000" l="10562" r="93933">
                         <a14:foregroundMark x1="49663" y1="18519" x2="51236" y2="10101"/>
@@ -8956,7 +8213,130 @@
     </p:spTree>
     <p:extLst>
       <p:ext uri="{BB962C8B-B14F-4D97-AF65-F5344CB8AC3E}">
-        <p14:creationId xmlns:p14="http://schemas.microsoft.com/office/powerpoint/2010/main" val="3955412658"/>
+        <p14:creationId xmlns:p14="http://schemas.microsoft.com/office/powerpoint/2010/main" val="102950625"/>
+      </p:ext>
+    </p:extLst>
+  </p:cSld>
+  <p:clrMapOvr>
+    <a:masterClrMapping/>
+  </p:clrMapOvr>
+</p:sld>
+</file>
+
+<file path=ppt/slides/slide9.xml><?xml version="1.0" encoding="utf-8"?>
+<p:sld xmlns:a="http://schemas.openxmlformats.org/drawingml/2006/main" xmlns:r="http://schemas.openxmlformats.org/officeDocument/2006/relationships" xmlns:p="http://schemas.openxmlformats.org/presentationml/2006/main">
+  <p:cSld>
+    <p:spTree>
+      <p:nvGrpSpPr>
+        <p:cNvPr id="1" name=""/>
+        <p:cNvGrpSpPr/>
+        <p:nvPr/>
+      </p:nvGrpSpPr>
+      <p:grpSpPr>
+        <a:xfrm>
+          <a:off x="0" y="0"/>
+          <a:ext cx="0" cy="0"/>
+          <a:chOff x="0" y="0"/>
+          <a:chExt cx="0" cy="0"/>
+        </a:xfrm>
+      </p:grpSpPr>
+      <p:sp>
+        <p:nvSpPr>
+          <p:cNvPr id="2" name="Title 1"/>
+          <p:cNvSpPr>
+            <a:spLocks noGrp="1"/>
+          </p:cNvSpPr>
+          <p:nvPr>
+            <p:ph type="title"/>
+          </p:nvPr>
+        </p:nvSpPr>
+        <p:spPr/>
+        <p:txBody>
+          <a:bodyPr>
+            <a:normAutofit/>
+          </a:bodyPr>
+          <a:lstStyle/>
+          <a:p>
+            <a:r>
+              <a:rPr lang="en-US" dirty="0"/>
+              <a:t>How to use Sticky-Notes ?</a:t>
+            </a:r>
+          </a:p>
+        </p:txBody>
+      </p:sp>
+      <p:sp>
+        <p:nvSpPr>
+          <p:cNvPr id="3" name="Content Placeholder 2"/>
+          <p:cNvSpPr>
+            <a:spLocks noGrp="1"/>
+          </p:cNvSpPr>
+          <p:nvPr>
+            <p:ph idx="1"/>
+          </p:nvPr>
+        </p:nvSpPr>
+        <p:spPr/>
+        <p:txBody>
+          <a:bodyPr/>
+          <a:lstStyle/>
+          <a:p>
+            <a:endParaRPr lang="en-US" dirty="0"/>
+          </a:p>
+        </p:txBody>
+      </p:sp>
+      <p:pic>
+        <p:nvPicPr>
+          <p:cNvPr id="4" name="Picture 3"/>
+          <p:cNvPicPr>
+            <a:picLocks noChangeAspect="1"/>
+          </p:cNvPicPr>
+          <p:nvPr/>
+        </p:nvPicPr>
+        <p:blipFill>
+          <a:blip r:embed="rId2"/>
+          <a:stretch>
+            <a:fillRect/>
+          </a:stretch>
+        </p:blipFill>
+        <p:spPr>
+          <a:xfrm>
+            <a:off x="1295400" y="2556932"/>
+            <a:ext cx="7208519" cy="3563210"/>
+          </a:xfrm>
+          <a:prstGeom prst="rect">
+            <a:avLst/>
+          </a:prstGeom>
+        </p:spPr>
+      </p:pic>
+      <p:pic>
+        <p:nvPicPr>
+          <p:cNvPr id="5" name="Picture 4"/>
+          <p:cNvPicPr>
+            <a:picLocks noChangeAspect="1"/>
+          </p:cNvPicPr>
+          <p:nvPr/>
+        </p:nvPicPr>
+        <p:blipFill>
+          <a:blip r:embed="rId3">
+            <a:extLst/>
+          </a:blip>
+          <a:stretch>
+            <a:fillRect/>
+          </a:stretch>
+        </p:blipFill>
+        <p:spPr>
+          <a:xfrm>
+            <a:off x="10325100" y="735895"/>
+            <a:ext cx="1101371" cy="735072"/>
+          </a:xfrm>
+          <a:prstGeom prst="rect">
+            <a:avLst/>
+          </a:prstGeom>
+        </p:spPr>
+      </p:pic>
+    </p:spTree>
+    <p:extLst>
+      <p:ext uri="{BB962C8B-B14F-4D97-AF65-F5344CB8AC3E}">
+        <p14:creationId xmlns:p14="http://schemas.microsoft.com/office/powerpoint/2010/main" val="950097803"/>
       </p:ext>
     </p:extLst>
   </p:cSld>

--- a/Sticky-Notes_B.pptx
+++ b/Sticky-Notes_B.pptx
@@ -456,7 +456,7 @@
           <a:p>
             <a:fld id="{9355F384-320A-4C3F-86FC-4ED2582FFE54}" type="datetimeFigureOut">
               <a:rPr lang="en-US" smtClean="0"/>
-              <a:t>7/27/2019</a:t>
+              <a:t>7/28/2019</a:t>
             </a:fld>
             <a:endParaRPr lang="en-US"/>
           </a:p>
@@ -780,7 +780,7 @@
           <a:p>
             <a:fld id="{9355F384-320A-4C3F-86FC-4ED2582FFE54}" type="datetimeFigureOut">
               <a:rPr lang="en-US" smtClean="0"/>
-              <a:t>7/27/2019</a:t>
+              <a:t>7/28/2019</a:t>
             </a:fld>
             <a:endParaRPr lang="en-US"/>
           </a:p>
@@ -1028,7 +1028,7 @@
           <a:p>
             <a:fld id="{9355F384-320A-4C3F-86FC-4ED2582FFE54}" type="datetimeFigureOut">
               <a:rPr lang="en-US" smtClean="0"/>
-              <a:t>7/27/2019</a:t>
+              <a:t>7/28/2019</a:t>
             </a:fld>
             <a:endParaRPr lang="en-US"/>
           </a:p>
@@ -1367,7 +1367,7 @@
           <a:p>
             <a:fld id="{9355F384-320A-4C3F-86FC-4ED2582FFE54}" type="datetimeFigureOut">
               <a:rPr lang="en-US" smtClean="0"/>
-              <a:t>7/27/2019</a:t>
+              <a:t>7/28/2019</a:t>
             </a:fld>
             <a:endParaRPr lang="en-US"/>
           </a:p>
@@ -1714,7 +1714,7 @@
           <a:p>
             <a:fld id="{9355F384-320A-4C3F-86FC-4ED2582FFE54}" type="datetimeFigureOut">
               <a:rPr lang="en-US" smtClean="0"/>
-              <a:t>7/27/2019</a:t>
+              <a:t>7/28/2019</a:t>
             </a:fld>
             <a:endParaRPr lang="en-US"/>
           </a:p>
@@ -2088,7 +2088,7 @@
           <a:p>
             <a:fld id="{9355F384-320A-4C3F-86FC-4ED2582FFE54}" type="datetimeFigureOut">
               <a:rPr lang="en-US" smtClean="0"/>
-              <a:t>7/27/2019</a:t>
+              <a:t>7/28/2019</a:t>
             </a:fld>
             <a:endParaRPr lang="en-US"/>
           </a:p>
@@ -2558,7 +2558,7 @@
           <a:p>
             <a:fld id="{9355F384-320A-4C3F-86FC-4ED2582FFE54}" type="datetimeFigureOut">
               <a:rPr lang="en-US" smtClean="0"/>
-              <a:t>7/27/2019</a:t>
+              <a:t>7/28/2019</a:t>
             </a:fld>
             <a:endParaRPr lang="en-US"/>
           </a:p>
@@ -2763,7 +2763,7 @@
           <a:p>
             <a:fld id="{9355F384-320A-4C3F-86FC-4ED2582FFE54}" type="datetimeFigureOut">
               <a:rPr lang="en-US" smtClean="0"/>
-              <a:t>7/27/2019</a:t>
+              <a:t>7/28/2019</a:t>
             </a:fld>
             <a:endParaRPr lang="en-US"/>
           </a:p>
@@ -2974,7 +2974,7 @@
           <a:p>
             <a:fld id="{9355F384-320A-4C3F-86FC-4ED2582FFE54}" type="datetimeFigureOut">
               <a:rPr lang="en-US" smtClean="0"/>
-              <a:t>7/27/2019</a:t>
+              <a:t>7/28/2019</a:t>
             </a:fld>
             <a:endParaRPr lang="en-US"/>
           </a:p>
@@ -3206,7 +3206,7 @@
           <a:p>
             <a:fld id="{9355F384-320A-4C3F-86FC-4ED2582FFE54}" type="datetimeFigureOut">
               <a:rPr lang="en-US" smtClean="0"/>
-              <a:t>7/27/2019</a:t>
+              <a:t>7/28/2019</a:t>
             </a:fld>
             <a:endParaRPr lang="en-US"/>
           </a:p>
@@ -3454,7 +3454,7 @@
           <a:p>
             <a:fld id="{9355F384-320A-4C3F-86FC-4ED2582FFE54}" type="datetimeFigureOut">
               <a:rPr lang="en-US" smtClean="0"/>
-              <a:t>7/27/2019</a:t>
+              <a:t>7/28/2019</a:t>
             </a:fld>
             <a:endParaRPr lang="en-US"/>
           </a:p>
@@ -3752,7 +3752,7 @@
           <a:p>
             <a:fld id="{9355F384-320A-4C3F-86FC-4ED2582FFE54}" type="datetimeFigureOut">
               <a:rPr lang="en-US" smtClean="0"/>
-              <a:t>7/27/2019</a:t>
+              <a:t>7/28/2019</a:t>
             </a:fld>
             <a:endParaRPr lang="en-US"/>
           </a:p>
@@ -4146,7 +4146,7 @@
           <a:p>
             <a:fld id="{9355F384-320A-4C3F-86FC-4ED2582FFE54}" type="datetimeFigureOut">
               <a:rPr lang="en-US" smtClean="0"/>
-              <a:t>7/27/2019</a:t>
+              <a:t>7/28/2019</a:t>
             </a:fld>
             <a:endParaRPr lang="en-US"/>
           </a:p>
@@ -4295,7 +4295,7 @@
           <a:p>
             <a:fld id="{9355F384-320A-4C3F-86FC-4ED2582FFE54}" type="datetimeFigureOut">
               <a:rPr lang="en-US" smtClean="0"/>
-              <a:t>7/27/2019</a:t>
+              <a:t>7/28/2019</a:t>
             </a:fld>
             <a:endParaRPr lang="en-US"/>
           </a:p>
@@ -4421,7 +4421,7 @@
           <a:p>
             <a:fld id="{9355F384-320A-4C3F-86FC-4ED2582FFE54}" type="datetimeFigureOut">
               <a:rPr lang="en-US" smtClean="0"/>
-              <a:t>7/27/2019</a:t>
+              <a:t>7/28/2019</a:t>
             </a:fld>
             <a:endParaRPr lang="en-US"/>
           </a:p>
@@ -4676,7 +4676,7 @@
           <a:p>
             <a:fld id="{9355F384-320A-4C3F-86FC-4ED2582FFE54}" type="datetimeFigureOut">
               <a:rPr lang="en-US" smtClean="0"/>
-              <a:t>7/27/2019</a:t>
+              <a:t>7/28/2019</a:t>
             </a:fld>
             <a:endParaRPr lang="en-US"/>
           </a:p>
@@ -4991,7 +4991,7 @@
           <a:p>
             <a:fld id="{9355F384-320A-4C3F-86FC-4ED2582FFE54}" type="datetimeFigureOut">
               <a:rPr lang="en-US" smtClean="0"/>
-              <a:t>7/27/2019</a:t>
+              <a:t>7/28/2019</a:t>
             </a:fld>
             <a:endParaRPr lang="en-US"/>
           </a:p>
@@ -5342,7 +5342,7 @@
           <a:p>
             <a:fld id="{9355F384-320A-4C3F-86FC-4ED2582FFE54}" type="datetimeFigureOut">
               <a:rPr lang="en-US" smtClean="0"/>
-              <a:t>7/27/2019</a:t>
+              <a:t>7/28/2019</a:t>
             </a:fld>
             <a:endParaRPr lang="en-US"/>
           </a:p>
@@ -6228,9 +6228,7 @@
           <p:nvPr/>
         </p:nvPicPr>
         <p:blipFill>
-          <a:blip r:embed="rId3">
-            <a:extLst/>
-          </a:blip>
+          <a:blip r:embed="rId3"/>
           <a:stretch>
             <a:fillRect/>
           </a:stretch>
@@ -6330,9 +6328,7 @@
           <p:nvPr/>
         </p:nvPicPr>
         <p:blipFill>
-          <a:blip r:embed="rId3">
-            <a:extLst/>
-          </a:blip>
+          <a:blip r:embed="rId3"/>
           <a:stretch>
             <a:fillRect/>
           </a:stretch>
@@ -6432,9 +6428,7 @@
           <p:nvPr/>
         </p:nvPicPr>
         <p:blipFill>
-          <a:blip r:embed="rId3">
-            <a:extLst/>
-          </a:blip>
+          <a:blip r:embed="rId3"/>
           <a:stretch>
             <a:fillRect/>
           </a:stretch>
@@ -6495,51 +6489,46 @@
           <a:lstStyle/>
           <a:p>
             <a:r>
-              <a:rPr lang="en-US" dirty="0" smtClean="0"/>
+              <a:rPr lang="en-US" dirty="0"/>
               <a:t>Problem </a:t>
             </a:r>
+          </a:p>
+        </p:txBody>
+      </p:sp>
+      <p:sp>
+        <p:nvSpPr>
+          <p:cNvPr id="3" name="Content Placeholder 2"/>
+          <p:cNvSpPr>
+            <a:spLocks noGrp="1"/>
+          </p:cNvSpPr>
+          <p:nvPr>
+            <p:ph idx="1"/>
+          </p:nvPr>
+        </p:nvSpPr>
+        <p:spPr/>
+        <p:txBody>
+          <a:bodyPr/>
+          <a:lstStyle/>
+          <a:p>
+            <a:r>
+              <a:rPr lang="en-US" dirty="0"/>
+              <a:t>Configure work environment</a:t>
+            </a:r>
+          </a:p>
+          <a:p>
+            <a:r>
+              <a:rPr lang="en-US" dirty="0"/>
+              <a:t>Merge in </a:t>
+            </a:r>
+            <a:r>
+              <a:rPr lang="en-US" dirty="0" err="1"/>
+              <a:t>github</a:t>
+            </a:r>
             <a:endParaRPr lang="en-US" dirty="0"/>
           </a:p>
-        </p:txBody>
-      </p:sp>
-      <p:sp>
-        <p:nvSpPr>
-          <p:cNvPr id="3" name="Content Placeholder 2"/>
-          <p:cNvSpPr>
-            <a:spLocks noGrp="1"/>
-          </p:cNvSpPr>
-          <p:nvPr>
-            <p:ph idx="1"/>
-          </p:nvPr>
-        </p:nvSpPr>
-        <p:spPr/>
-        <p:txBody>
-          <a:bodyPr/>
-          <a:lstStyle/>
           <a:p>
             <a:r>
               <a:rPr lang="en-US" dirty="0"/>
-              <a:t>Configure work </a:t>
-            </a:r>
-            <a:r>
-              <a:rPr lang="en-US" dirty="0" smtClean="0"/>
-              <a:t>environment</a:t>
-            </a:r>
-          </a:p>
-          <a:p>
-            <a:r>
-              <a:rPr lang="en-US" dirty="0" smtClean="0"/>
-              <a:t>Merge in </a:t>
-            </a:r>
-            <a:r>
-              <a:rPr lang="en-US" dirty="0" err="1" smtClean="0"/>
-              <a:t>github</a:t>
-            </a:r>
-            <a:endParaRPr lang="en-US" dirty="0" smtClean="0"/>
-          </a:p>
-          <a:p>
-            <a:r>
-              <a:rPr lang="en-US" dirty="0" smtClean="0"/>
               <a:t>Path for data base </a:t>
             </a:r>
           </a:p>
@@ -6900,26 +6889,20 @@
           <a:p>
             <a:r>
               <a:rPr lang="en-US" dirty="0"/>
-              <a:t>What is Sticky-Notes </a:t>
-            </a:r>
-            <a:r>
-              <a:rPr lang="en-US" dirty="0" smtClean="0"/>
-              <a:t>?</a:t>
-            </a:r>
-          </a:p>
-          <a:p>
-            <a:r>
-              <a:rPr lang="en-US" dirty="0" smtClean="0"/>
+              <a:t>What is Sticky-Notes ?</a:t>
+            </a:r>
+          </a:p>
+          <a:p>
+            <a:r>
+              <a:rPr lang="en-US" dirty="0"/>
               <a:t>Beginning </a:t>
             </a:r>
-            <a:endParaRPr lang="en-US" dirty="0" smtClean="0"/>
-          </a:p>
-          <a:p>
-            <a:r>
-              <a:rPr lang="en-US" dirty="0" smtClean="0"/>
+          </a:p>
+          <a:p>
+            <a:r>
+              <a:rPr lang="en-US" dirty="0"/>
               <a:t>Tool</a:t>
             </a:r>
-            <a:endParaRPr lang="en-US" dirty="0"/>
           </a:p>
           <a:p>
             <a:r>
@@ -6932,29 +6915,23 @@
               <a:rPr lang="en-US" dirty="0"/>
               <a:t>Team management </a:t>
             </a:r>
-            <a:endParaRPr lang="en-US" dirty="0" smtClean="0"/>
           </a:p>
           <a:p>
             <a:r>
               <a:rPr lang="en-US" dirty="0"/>
               <a:t>How to use Sticky-Notes ?</a:t>
             </a:r>
-            <a:endParaRPr lang="en-US" dirty="0" smtClean="0"/>
-          </a:p>
-          <a:p>
-            <a:r>
-              <a:rPr lang="en-US" dirty="0" smtClean="0"/>
+          </a:p>
+          <a:p>
+            <a:r>
+              <a:rPr lang="en-US" dirty="0"/>
               <a:t>problem</a:t>
             </a:r>
           </a:p>
           <a:p>
             <a:r>
-              <a:rPr lang="en-US" dirty="0" smtClean="0"/>
-              <a:t>What </a:t>
-            </a:r>
-            <a:r>
               <a:rPr lang="en-US" dirty="0"/>
-              <a:t>is Future Plans ?</a:t>
+              <a:t>What is Future Plans ?</a:t>
             </a:r>
           </a:p>
           <a:p>
@@ -7156,7 +7133,6 @@
               <a:rPr lang="en-US" sz="3600" dirty="0"/>
               <a:t>Offline </a:t>
             </a:r>
-            <a:endParaRPr lang="en-US" sz="3600" dirty="0" smtClean="0"/>
           </a:p>
           <a:p>
             <a:r>
@@ -7537,25 +7513,6 @@
           </a:p>
         </p:txBody>
       </p:sp>
-      <p:sp>
-        <p:nvSpPr>
-          <p:cNvPr id="3" name="Content Placeholder 2"/>
-          <p:cNvSpPr>
-            <a:spLocks noGrp="1"/>
-          </p:cNvSpPr>
-          <p:nvPr>
-            <p:ph idx="1"/>
-          </p:nvPr>
-        </p:nvSpPr>
-        <p:spPr/>
-        <p:txBody>
-          <a:bodyPr/>
-          <a:lstStyle/>
-          <a:p>
-            <a:endParaRPr lang="en-US" dirty="0"/>
-          </a:p>
-        </p:txBody>
-      </p:sp>
       <p:pic>
         <p:nvPicPr>
           <p:cNvPr id="4" name="Picture 3"/>
@@ -7644,6 +7601,120 @@
           </a:prstGeom>
         </p:spPr>
       </p:pic>
+      <p:pic>
+        <p:nvPicPr>
+          <p:cNvPr id="10" name="عنصر نائب للمحتوى 9">
+            <a:extLst>
+              <a:ext uri="{FF2B5EF4-FFF2-40B4-BE49-F238E27FC236}">
+                <a16:creationId xmlns:a16="http://schemas.microsoft.com/office/drawing/2014/main" id="{773A523A-72C4-44D0-8C1A-7CDC30D010DA}"/>
+              </a:ext>
+            </a:extLst>
+          </p:cNvPr>
+          <p:cNvPicPr>
+            <a:picLocks noGrp="1" noChangeAspect="1"/>
+          </p:cNvPicPr>
+          <p:nvPr>
+            <p:ph idx="1"/>
+          </p:nvPr>
+        </p:nvPicPr>
+        <p:blipFill>
+          <a:blip r:embed="rId4">
+            <a:extLst>
+              <a:ext uri="{28A0092B-C50C-407E-A947-70E740481C1C}">
+                <a14:useLocalDpi xmlns:a14="http://schemas.microsoft.com/office/drawing/2010/main" val="0"/>
+              </a:ext>
+            </a:extLst>
+          </a:blip>
+          <a:stretch>
+            <a:fillRect/>
+          </a:stretch>
+        </p:blipFill>
+        <p:spPr>
+          <a:xfrm>
+            <a:off x="1704512" y="2532236"/>
+            <a:ext cx="3264358" cy="3264358"/>
+          </a:xfrm>
+        </p:spPr>
+      </p:pic>
+      <p:pic>
+        <p:nvPicPr>
+          <p:cNvPr id="12" name="صورة 11">
+            <a:extLst>
+              <a:ext uri="{FF2B5EF4-FFF2-40B4-BE49-F238E27FC236}">
+                <a16:creationId xmlns:a16="http://schemas.microsoft.com/office/drawing/2014/main" id="{9F696EEC-F73C-47EC-9E98-9AB2302CEB8C}"/>
+              </a:ext>
+            </a:extLst>
+          </p:cNvPr>
+          <p:cNvPicPr>
+            <a:picLocks noChangeAspect="1"/>
+          </p:cNvPicPr>
+          <p:nvPr/>
+        </p:nvPicPr>
+        <p:blipFill>
+          <a:blip r:embed="rId5" cstate="print">
+            <a:extLst>
+              <a:ext uri="{28A0092B-C50C-407E-A947-70E740481C1C}">
+                <a14:useLocalDpi xmlns:a14="http://schemas.microsoft.com/office/drawing/2010/main" val="0"/>
+              </a:ext>
+            </a:extLst>
+          </a:blip>
+          <a:stretch>
+            <a:fillRect/>
+          </a:stretch>
+        </p:blipFill>
+        <p:spPr>
+          <a:xfrm>
+            <a:off x="8016536" y="2707689"/>
+            <a:ext cx="2611405" cy="3177059"/>
+          </a:xfrm>
+          <a:prstGeom prst="rect">
+            <a:avLst/>
+          </a:prstGeom>
+        </p:spPr>
+      </p:pic>
+      <p:pic>
+        <p:nvPicPr>
+          <p:cNvPr id="18" name="صورة 17">
+            <a:extLst>
+              <a:ext uri="{FF2B5EF4-FFF2-40B4-BE49-F238E27FC236}">
+                <a16:creationId xmlns:a16="http://schemas.microsoft.com/office/drawing/2014/main" id="{FD8C10C4-CF6D-4DF3-8990-A998997035F5}"/>
+              </a:ext>
+            </a:extLst>
+          </p:cNvPr>
+          <p:cNvPicPr>
+            <a:picLocks noChangeAspect="1"/>
+          </p:cNvPicPr>
+          <p:nvPr/>
+        </p:nvPicPr>
+        <p:blipFill>
+          <a:blip r:embed="rId6">
+            <a:duotone>
+              <a:schemeClr val="accent5">
+                <a:shade val="45000"/>
+                <a:satMod val="135000"/>
+              </a:schemeClr>
+              <a:prstClr val="white"/>
+            </a:duotone>
+            <a:extLst>
+              <a:ext uri="{28A0092B-C50C-407E-A947-70E740481C1C}">
+                <a14:useLocalDpi xmlns:a14="http://schemas.microsoft.com/office/drawing/2010/main" val="0"/>
+              </a:ext>
+            </a:extLst>
+          </a:blip>
+          <a:stretch>
+            <a:fillRect/>
+          </a:stretch>
+        </p:blipFill>
+        <p:spPr>
+          <a:xfrm>
+            <a:off x="5540203" y="3484485"/>
+            <a:ext cx="1905000" cy="1905000"/>
+          </a:xfrm>
+          <a:prstGeom prst="rect">
+            <a:avLst/>
+          </a:prstGeom>
+        </p:spPr>
+      </p:pic>
     </p:spTree>
     <p:extLst>
       <p:ext uri="{BB962C8B-B14F-4D97-AF65-F5344CB8AC3E}">
@@ -7902,13 +7973,8 @@
           <a:p>
             <a:r>
               <a:rPr lang="en-US" dirty="0"/>
-              <a:t>Programming </a:t>
-            </a:r>
-            <a:r>
-              <a:rPr lang="en-US" dirty="0" smtClean="0"/>
-              <a:t>language</a:t>
-            </a:r>
-            <a:endParaRPr lang="en-US" dirty="0"/>
+              <a:t>Programming language</a:t>
+            </a:r>
           </a:p>
         </p:txBody>
       </p:sp>
@@ -8095,7 +8161,7 @@
           <a:lstStyle/>
           <a:p>
             <a:r>
-              <a:rPr lang="en-US" dirty="0" smtClean="0"/>
+              <a:rPr lang="en-US" dirty="0"/>
               <a:t>Trello :</a:t>
             </a:r>
           </a:p>
@@ -8104,18 +8170,9 @@
               <a:buNone/>
             </a:pPr>
             <a:r>
-              <a:rPr lang="en-US" dirty="0" smtClean="0"/>
-              <a:t> https</a:t>
-            </a:r>
-            <a:r>
               <a:rPr lang="en-US" dirty="0"/>
-              <a:t>://</a:t>
-            </a:r>
-            <a:r>
-              <a:rPr lang="en-US" dirty="0" smtClean="0"/>
-              <a:t>trello.com/b/YovZ72BL/project-sticky-notes</a:t>
-            </a:r>
-            <a:endParaRPr lang="en-US" dirty="0"/>
+              <a:t> https://trello.com/b/YovZ72BL/project-sticky-notes</a:t>
+            </a:r>
           </a:p>
           <a:p>
             <a:endParaRPr lang="en-US" dirty="0"/>
@@ -8316,9 +8373,7 @@
           <p:nvPr/>
         </p:nvPicPr>
         <p:blipFill>
-          <a:blip r:embed="rId3">
-            <a:extLst/>
-          </a:blip>
+          <a:blip r:embed="rId3"/>
           <a:stretch>
             <a:fillRect/>
           </a:stretch>
